--- a/vite/slide/NT_Vitejs.pptx
+++ b/vite/slide/NT_Vitejs.pptx
@@ -13,9 +13,20 @@
     <p:sldId id="260" r:id="rId7"/>
     <p:sldId id="261" r:id="rId8"/>
     <p:sldId id="262" r:id="rId9"/>
-    <p:sldId id="263" r:id="rId10"/>
-    <p:sldId id="264" r:id="rId11"/>
-    <p:sldId id="265" r:id="rId12"/>
+    <p:sldId id="276" r:id="rId10"/>
+    <p:sldId id="263" r:id="rId11"/>
+    <p:sldId id="264" r:id="rId12"/>
+    <p:sldId id="268" r:id="rId13"/>
+    <p:sldId id="265" r:id="rId14"/>
+    <p:sldId id="266" r:id="rId15"/>
+    <p:sldId id="267" r:id="rId16"/>
+    <p:sldId id="270" r:id="rId17"/>
+    <p:sldId id="271" r:id="rId18"/>
+    <p:sldId id="272" r:id="rId19"/>
+    <p:sldId id="273" r:id="rId20"/>
+    <p:sldId id="274" r:id="rId21"/>
+    <p:sldId id="275" r:id="rId22"/>
+    <p:sldId id="269" r:id="rId23"/>
   </p:sldIdLst>
   <p:sldSz cx="12192000" cy="6858000"/>
   <p:notesSz cx="6858000" cy="9144000"/>
@@ -19752,6 +19763,474 @@
       </p:grpSpPr>
       <p:sp>
         <p:nvSpPr>
+          <p:cNvPr id="2" name="Title 1">
+            <a:extLst>
+              <a:ext uri="{FF2B5EF4-FFF2-40B4-BE49-F238E27FC236}">
+                <a16:creationId xmlns:a16="http://schemas.microsoft.com/office/drawing/2014/main" id="{28D09562-4D8D-434E-AE6A-6CF89E6B1BBF}"/>
+              </a:ext>
+            </a:extLst>
+          </p:cNvPr>
+          <p:cNvSpPr>
+            <a:spLocks noGrp="1"/>
+          </p:cNvSpPr>
+          <p:nvPr>
+            <p:ph type="title"/>
+          </p:nvPr>
+        </p:nvSpPr>
+        <p:spPr/>
+        <p:txBody>
+          <a:bodyPr/>
+          <a:lstStyle/>
+          <a:p>
+            <a:r>
+              <a:rPr lang="en-US" dirty="0" smtClean="0"/>
+              <a:t>Vite.js</a:t>
+            </a:r>
+            <a:endParaRPr lang="en-US" dirty="0"/>
+          </a:p>
+        </p:txBody>
+      </p:sp>
+      <p:sp>
+        <p:nvSpPr>
+          <p:cNvPr id="3" name="Text Placeholder 2">
+            <a:extLst>
+              <a:ext uri="{FF2B5EF4-FFF2-40B4-BE49-F238E27FC236}">
+                <a16:creationId xmlns:a16="http://schemas.microsoft.com/office/drawing/2014/main" id="{980004BA-4F47-4C5C-B300-EF35A2F015DB}"/>
+              </a:ext>
+            </a:extLst>
+          </p:cNvPr>
+          <p:cNvSpPr>
+            <a:spLocks noGrp="1"/>
+          </p:cNvSpPr>
+          <p:nvPr>
+            <p:ph type="body" sz="quarter" idx="11"/>
+          </p:nvPr>
+        </p:nvSpPr>
+        <p:spPr/>
+        <p:txBody>
+          <a:bodyPr>
+            <a:normAutofit/>
+          </a:bodyPr>
+          <a:lstStyle/>
+          <a:p>
+            <a:r>
+              <a:rPr lang="en-US" sz="2400" dirty="0" smtClean="0"/>
+              <a:t>Native ES modules</a:t>
+            </a:r>
+          </a:p>
+        </p:txBody>
+      </p:sp>
+      <p:sp>
+        <p:nvSpPr>
+          <p:cNvPr id="6" name="TextBox 5"/>
+          <p:cNvSpPr txBox="1"/>
+          <p:nvPr/>
+        </p:nvSpPr>
+        <p:spPr>
+          <a:xfrm>
+            <a:off x="5239512" y="5122389"/>
+            <a:ext cx="1870448" cy="307777"/>
+          </a:xfrm>
+          <a:prstGeom prst="rect">
+            <a:avLst/>
+          </a:prstGeom>
+          <a:noFill/>
+        </p:spPr>
+        <p:txBody>
+          <a:bodyPr wrap="none" rtlCol="0">
+            <a:spAutoFit/>
+          </a:bodyPr>
+          <a:lstStyle/>
+          <a:p>
+            <a:pPr algn="l"/>
+            <a:r>
+              <a:rPr lang="en-US" sz="1400" i="1" dirty="0" smtClean="0">
+                <a:solidFill>
+                  <a:schemeClr val="bg2"/>
+                </a:solidFill>
+              </a:rPr>
+              <a:t>Vishnu Sivan (dev.to)</a:t>
+            </a:r>
+          </a:p>
+        </p:txBody>
+      </p:sp>
+      <p:pic>
+        <p:nvPicPr>
+          <p:cNvPr id="4" name="Picture 3"/>
+          <p:cNvPicPr>
+            <a:picLocks noChangeAspect="1"/>
+          </p:cNvPicPr>
+          <p:nvPr/>
+        </p:nvPicPr>
+        <p:blipFill>
+          <a:blip r:embed="rId2"/>
+          <a:stretch>
+            <a:fillRect/>
+          </a:stretch>
+        </p:blipFill>
+        <p:spPr>
+          <a:xfrm>
+            <a:off x="806679" y="2312720"/>
+            <a:ext cx="10736114" cy="2706652"/>
+          </a:xfrm>
+          <a:prstGeom prst="rect">
+            <a:avLst/>
+          </a:prstGeom>
+        </p:spPr>
+      </p:pic>
+      <p:sp>
+        <p:nvSpPr>
+          <p:cNvPr id="8" name="TextBox 7"/>
+          <p:cNvSpPr txBox="1"/>
+          <p:nvPr/>
+        </p:nvSpPr>
+        <p:spPr>
+          <a:xfrm>
+            <a:off x="1442639" y="1891880"/>
+            <a:ext cx="3796873" cy="369332"/>
+          </a:xfrm>
+          <a:prstGeom prst="rect">
+            <a:avLst/>
+          </a:prstGeom>
+          <a:noFill/>
+        </p:spPr>
+        <p:txBody>
+          <a:bodyPr wrap="none" rtlCol="0">
+            <a:spAutoFit/>
+          </a:bodyPr>
+          <a:lstStyle/>
+          <a:p>
+            <a:r>
+              <a:rPr lang="en-US" dirty="0" err="1" smtClean="0">
+                <a:solidFill>
+                  <a:schemeClr val="bg1"/>
+                </a:solidFill>
+              </a:rPr>
+              <a:t>Webpack</a:t>
+            </a:r>
+            <a:r>
+              <a:rPr lang="en-US" dirty="0" smtClean="0">
+                <a:solidFill>
+                  <a:schemeClr val="bg1"/>
+                </a:solidFill>
+              </a:rPr>
+              <a:t> bundles the entire project</a:t>
+            </a:r>
+          </a:p>
+        </p:txBody>
+      </p:sp>
+      <p:sp>
+        <p:nvSpPr>
+          <p:cNvPr id="9" name="TextBox 8"/>
+          <p:cNvSpPr txBox="1"/>
+          <p:nvPr/>
+        </p:nvSpPr>
+        <p:spPr>
+          <a:xfrm>
+            <a:off x="7109960" y="1891880"/>
+            <a:ext cx="3463449" cy="369332"/>
+          </a:xfrm>
+          <a:prstGeom prst="rect">
+            <a:avLst/>
+          </a:prstGeom>
+          <a:noFill/>
+        </p:spPr>
+        <p:txBody>
+          <a:bodyPr wrap="none" rtlCol="0">
+            <a:spAutoFit/>
+          </a:bodyPr>
+          <a:lstStyle/>
+          <a:p>
+            <a:r>
+              <a:rPr lang="en-US" dirty="0" err="1" smtClean="0">
+                <a:solidFill>
+                  <a:schemeClr val="bg1"/>
+                </a:solidFill>
+              </a:rPr>
+              <a:t>Vite</a:t>
+            </a:r>
+            <a:r>
+              <a:rPr lang="en-US" dirty="0" smtClean="0">
+                <a:solidFill>
+                  <a:schemeClr val="bg1"/>
+                </a:solidFill>
+              </a:rPr>
+              <a:t> only bundles needed pages</a:t>
+            </a:r>
+          </a:p>
+        </p:txBody>
+      </p:sp>
+    </p:spTree>
+    <p:extLst>
+      <p:ext uri="{BB962C8B-B14F-4D97-AF65-F5344CB8AC3E}">
+        <p14:creationId xmlns:p14="http://schemas.microsoft.com/office/powerpoint/2010/main" val="1787857065"/>
+      </p:ext>
+    </p:extLst>
+  </p:cSld>
+  <p:clrMapOvr>
+    <a:masterClrMapping/>
+  </p:clrMapOvr>
+  <p:timing>
+    <p:tnLst>
+      <p:par>
+        <p:cTn id="1" dur="indefinite" restart="never" nodeType="tmRoot"/>
+      </p:par>
+    </p:tnLst>
+  </p:timing>
+</p:sld>
+</file>
+
+<file path=ppt/slides/slide11.xml><?xml version="1.0" encoding="utf-8"?>
+<p:sld xmlns:a="http://schemas.openxmlformats.org/drawingml/2006/main" xmlns:r="http://schemas.openxmlformats.org/officeDocument/2006/relationships" xmlns:p="http://schemas.openxmlformats.org/presentationml/2006/main">
+  <p:cSld>
+    <p:spTree>
+      <p:nvGrpSpPr>
+        <p:cNvPr id="1" name=""/>
+        <p:cNvGrpSpPr/>
+        <p:nvPr/>
+      </p:nvGrpSpPr>
+      <p:grpSpPr>
+        <a:xfrm>
+          <a:off x="0" y="0"/>
+          <a:ext cx="0" cy="0"/>
+          <a:chOff x="0" y="0"/>
+          <a:chExt cx="0" cy="0"/>
+        </a:xfrm>
+      </p:grpSpPr>
+      <p:sp>
+        <p:nvSpPr>
+          <p:cNvPr id="2" name="Title 1">
+            <a:extLst>
+              <a:ext uri="{FF2B5EF4-FFF2-40B4-BE49-F238E27FC236}">
+                <a16:creationId xmlns:a16="http://schemas.microsoft.com/office/drawing/2014/main" id="{28D09562-4D8D-434E-AE6A-6CF89E6B1BBF}"/>
+              </a:ext>
+            </a:extLst>
+          </p:cNvPr>
+          <p:cNvSpPr>
+            <a:spLocks noGrp="1"/>
+          </p:cNvSpPr>
+          <p:nvPr>
+            <p:ph type="title"/>
+          </p:nvPr>
+        </p:nvSpPr>
+        <p:spPr/>
+        <p:txBody>
+          <a:bodyPr/>
+          <a:lstStyle/>
+          <a:p>
+            <a:r>
+              <a:rPr lang="en-US" dirty="0" smtClean="0"/>
+              <a:t>Vite.js</a:t>
+            </a:r>
+            <a:endParaRPr lang="en-US" dirty="0"/>
+          </a:p>
+        </p:txBody>
+      </p:sp>
+      <p:sp>
+        <p:nvSpPr>
+          <p:cNvPr id="3" name="Text Placeholder 2">
+            <a:extLst>
+              <a:ext uri="{FF2B5EF4-FFF2-40B4-BE49-F238E27FC236}">
+                <a16:creationId xmlns:a16="http://schemas.microsoft.com/office/drawing/2014/main" id="{980004BA-4F47-4C5C-B300-EF35A2F015DB}"/>
+              </a:ext>
+            </a:extLst>
+          </p:cNvPr>
+          <p:cNvSpPr>
+            <a:spLocks noGrp="1"/>
+          </p:cNvSpPr>
+          <p:nvPr>
+            <p:ph type="body" sz="quarter" idx="11"/>
+          </p:nvPr>
+        </p:nvSpPr>
+        <p:spPr/>
+        <p:txBody>
+          <a:bodyPr>
+            <a:normAutofit/>
+          </a:bodyPr>
+          <a:lstStyle/>
+          <a:p>
+            <a:pPr marL="0" indent="0">
+              <a:buNone/>
+            </a:pPr>
+            <a:r>
+              <a:rPr lang="en-US" sz="2400" dirty="0" smtClean="0"/>
+              <a:t>Performance comparison</a:t>
+            </a:r>
+            <a:endParaRPr lang="en-US" sz="2400" dirty="0" smtClean="0"/>
+          </a:p>
+        </p:txBody>
+      </p:sp>
+      <p:sp>
+        <p:nvSpPr>
+          <p:cNvPr id="8" name="TextBox 7"/>
+          <p:cNvSpPr txBox="1"/>
+          <p:nvPr/>
+        </p:nvSpPr>
+        <p:spPr>
+          <a:xfrm>
+            <a:off x="1713054" y="1930565"/>
+            <a:ext cx="2899127" cy="369332"/>
+          </a:xfrm>
+          <a:prstGeom prst="rect">
+            <a:avLst/>
+          </a:prstGeom>
+          <a:noFill/>
+        </p:spPr>
+        <p:txBody>
+          <a:bodyPr wrap="none" rtlCol="0">
+            <a:spAutoFit/>
+          </a:bodyPr>
+          <a:lstStyle/>
+          <a:p>
+            <a:r>
+              <a:rPr lang="en-US" i="1" dirty="0" smtClean="0">
+                <a:solidFill>
+                  <a:schemeClr val="bg1"/>
+                </a:solidFill>
+              </a:rPr>
+              <a:t>Create React App (11.61s)</a:t>
+            </a:r>
+            <a:endParaRPr lang="en-US" i="1" dirty="0" smtClean="0">
+              <a:solidFill>
+                <a:schemeClr val="bg1"/>
+              </a:solidFill>
+            </a:endParaRPr>
+          </a:p>
+        </p:txBody>
+      </p:sp>
+      <p:sp>
+        <p:nvSpPr>
+          <p:cNvPr id="9" name="TextBox 8"/>
+          <p:cNvSpPr txBox="1"/>
+          <p:nvPr/>
+        </p:nvSpPr>
+        <p:spPr>
+          <a:xfrm>
+            <a:off x="8144764" y="1930565"/>
+            <a:ext cx="1360309" cy="369332"/>
+          </a:xfrm>
+          <a:prstGeom prst="rect">
+            <a:avLst/>
+          </a:prstGeom>
+          <a:noFill/>
+        </p:spPr>
+        <p:txBody>
+          <a:bodyPr wrap="none" rtlCol="0">
+            <a:spAutoFit/>
+          </a:bodyPr>
+          <a:lstStyle/>
+          <a:p>
+            <a:r>
+              <a:rPr lang="en-US" i="1" dirty="0" err="1" smtClean="0">
+                <a:solidFill>
+                  <a:schemeClr val="bg1"/>
+                </a:solidFill>
+              </a:rPr>
+              <a:t>Vite</a:t>
+            </a:r>
+            <a:r>
+              <a:rPr lang="en-US" i="1" dirty="0" smtClean="0">
+                <a:solidFill>
+                  <a:schemeClr val="bg1"/>
+                </a:solidFill>
+              </a:rPr>
+              <a:t> (3.45s)</a:t>
+            </a:r>
+            <a:endParaRPr lang="en-US" i="1" dirty="0" smtClean="0">
+              <a:solidFill>
+                <a:schemeClr val="bg1"/>
+              </a:solidFill>
+            </a:endParaRPr>
+          </a:p>
+        </p:txBody>
+      </p:sp>
+      <p:pic>
+        <p:nvPicPr>
+          <p:cNvPr id="5" name="Picture 4"/>
+          <p:cNvPicPr>
+            <a:picLocks noChangeAspect="1"/>
+          </p:cNvPicPr>
+          <p:nvPr/>
+        </p:nvPicPr>
+        <p:blipFill>
+          <a:blip r:embed="rId2"/>
+          <a:stretch>
+            <a:fillRect/>
+          </a:stretch>
+        </p:blipFill>
+        <p:spPr>
+          <a:xfrm>
+            <a:off x="6518624" y="2434319"/>
+            <a:ext cx="4612590" cy="1815767"/>
+          </a:xfrm>
+          <a:prstGeom prst="rect">
+            <a:avLst/>
+          </a:prstGeom>
+        </p:spPr>
+      </p:pic>
+      <p:pic>
+        <p:nvPicPr>
+          <p:cNvPr id="7" name="Picture 6"/>
+          <p:cNvPicPr>
+            <a:picLocks noChangeAspect="1"/>
+          </p:cNvPicPr>
+          <p:nvPr/>
+        </p:nvPicPr>
+        <p:blipFill>
+          <a:blip r:embed="rId3"/>
+          <a:stretch>
+            <a:fillRect/>
+          </a:stretch>
+        </p:blipFill>
+        <p:spPr>
+          <a:xfrm>
+            <a:off x="838199" y="2434319"/>
+            <a:ext cx="4648838" cy="3675488"/>
+          </a:xfrm>
+          <a:prstGeom prst="rect">
+            <a:avLst/>
+          </a:prstGeom>
+        </p:spPr>
+      </p:pic>
+    </p:spTree>
+    <p:extLst>
+      <p:ext uri="{BB962C8B-B14F-4D97-AF65-F5344CB8AC3E}">
+        <p14:creationId xmlns:p14="http://schemas.microsoft.com/office/powerpoint/2010/main" val="508841800"/>
+      </p:ext>
+    </p:extLst>
+  </p:cSld>
+  <p:clrMapOvr>
+    <a:masterClrMapping/>
+  </p:clrMapOvr>
+  <p:timing>
+    <p:tnLst>
+      <p:par>
+        <p:cTn id="1" dur="indefinite" restart="never" nodeType="tmRoot"/>
+      </p:par>
+    </p:tnLst>
+  </p:timing>
+</p:sld>
+</file>
+
+<file path=ppt/slides/slide12.xml><?xml version="1.0" encoding="utf-8"?>
+<p:sld xmlns:a="http://schemas.openxmlformats.org/drawingml/2006/main" xmlns:r="http://schemas.openxmlformats.org/officeDocument/2006/relationships" xmlns:p="http://schemas.openxmlformats.org/presentationml/2006/main">
+  <p:cSld>
+    <p:spTree>
+      <p:nvGrpSpPr>
+        <p:cNvPr id="1" name=""/>
+        <p:cNvGrpSpPr/>
+        <p:nvPr/>
+      </p:nvGrpSpPr>
+      <p:grpSpPr>
+        <a:xfrm>
+          <a:off x="0" y="0"/>
+          <a:ext cx="0" cy="0"/>
+          <a:chOff x="0" y="0"/>
+          <a:chExt cx="0" cy="0"/>
+        </a:xfrm>
+      </p:grpSpPr>
+      <p:sp>
+        <p:nvSpPr>
           <p:cNvPr id="2" name="Text Placeholder 1">
             <a:extLst>
               <a:ext uri="{FF2B5EF4-FFF2-40B4-BE49-F238E27FC236}">
@@ -19830,6 +20309,1077 @@
   <p:clrMapOvr>
     <a:masterClrMapping/>
   </p:clrMapOvr>
+</p:sld>
+</file>
+
+<file path=ppt/slides/slide13.xml><?xml version="1.0" encoding="utf-8"?>
+<p:sld xmlns:a="http://schemas.openxmlformats.org/drawingml/2006/main" xmlns:r="http://schemas.openxmlformats.org/officeDocument/2006/relationships" xmlns:p="http://schemas.openxmlformats.org/presentationml/2006/main">
+  <p:cSld>
+    <p:spTree>
+      <p:nvGrpSpPr>
+        <p:cNvPr id="1" name=""/>
+        <p:cNvGrpSpPr/>
+        <p:nvPr/>
+      </p:nvGrpSpPr>
+      <p:grpSpPr>
+        <a:xfrm>
+          <a:off x="0" y="0"/>
+          <a:ext cx="0" cy="0"/>
+          <a:chOff x="0" y="0"/>
+          <a:chExt cx="0" cy="0"/>
+        </a:xfrm>
+      </p:grpSpPr>
+      <p:sp>
+        <p:nvSpPr>
+          <p:cNvPr id="2" name="Title 1">
+            <a:extLst>
+              <a:ext uri="{FF2B5EF4-FFF2-40B4-BE49-F238E27FC236}">
+                <a16:creationId xmlns:a16="http://schemas.microsoft.com/office/drawing/2014/main" id="{28D09562-4D8D-434E-AE6A-6CF89E6B1BBF}"/>
+              </a:ext>
+            </a:extLst>
+          </p:cNvPr>
+          <p:cNvSpPr>
+            <a:spLocks noGrp="1"/>
+          </p:cNvSpPr>
+          <p:nvPr>
+            <p:ph type="title"/>
+          </p:nvPr>
+        </p:nvSpPr>
+        <p:spPr/>
+        <p:txBody>
+          <a:bodyPr/>
+          <a:lstStyle/>
+          <a:p>
+            <a:r>
+              <a:rPr lang="en-US" dirty="0" smtClean="0"/>
+              <a:t>Advantages</a:t>
+            </a:r>
+            <a:endParaRPr lang="en-US" dirty="0"/>
+          </a:p>
+        </p:txBody>
+      </p:sp>
+      <p:sp>
+        <p:nvSpPr>
+          <p:cNvPr id="3" name="Text Placeholder 2">
+            <a:extLst>
+              <a:ext uri="{FF2B5EF4-FFF2-40B4-BE49-F238E27FC236}">
+                <a16:creationId xmlns:a16="http://schemas.microsoft.com/office/drawing/2014/main" id="{980004BA-4F47-4C5C-B300-EF35A2F015DB}"/>
+              </a:ext>
+            </a:extLst>
+          </p:cNvPr>
+          <p:cNvSpPr>
+            <a:spLocks noGrp="1"/>
+          </p:cNvSpPr>
+          <p:nvPr>
+            <p:ph type="body" sz="quarter" idx="11"/>
+          </p:nvPr>
+        </p:nvSpPr>
+        <p:spPr/>
+        <p:txBody>
+          <a:bodyPr>
+            <a:normAutofit/>
+          </a:bodyPr>
+          <a:lstStyle/>
+          <a:p>
+            <a:r>
+              <a:rPr lang="en-US" sz="2400" dirty="0" smtClean="0"/>
+              <a:t>Provides </a:t>
+            </a:r>
+            <a:r>
+              <a:rPr lang="en-US" sz="2400" dirty="0"/>
+              <a:t>lightning-fast </a:t>
+            </a:r>
+            <a:r>
+              <a:rPr lang="en-US" sz="2400" dirty="0" smtClean="0"/>
+              <a:t>start-ups</a:t>
+            </a:r>
+          </a:p>
+          <a:p>
+            <a:r>
+              <a:rPr lang="en-US" sz="2400" dirty="0"/>
+              <a:t>Sass, Less and </a:t>
+            </a:r>
+            <a:r>
+              <a:rPr lang="en-US" sz="2400" dirty="0" smtClean="0"/>
+              <a:t>Stylus support</a:t>
+            </a:r>
+          </a:p>
+          <a:p>
+            <a:r>
+              <a:rPr lang="en-US" sz="2400" dirty="0" smtClean="0"/>
+              <a:t>Multi-page </a:t>
+            </a:r>
+            <a:r>
+              <a:rPr lang="en-US" sz="2400" dirty="0"/>
+              <a:t>support</a:t>
+            </a:r>
+            <a:endParaRPr lang="en-US" sz="2400" dirty="0" smtClean="0"/>
+          </a:p>
+          <a:p>
+            <a:r>
+              <a:rPr lang="en-US" sz="2400" dirty="0" smtClean="0"/>
+              <a:t>Offers </a:t>
+            </a:r>
+            <a:r>
+              <a:rPr lang="en-US" sz="2400" dirty="0"/>
+              <a:t>templates for React, </a:t>
+            </a:r>
+            <a:r>
+              <a:rPr lang="en-US" sz="2400" dirty="0" err="1"/>
+              <a:t>Vue</a:t>
+            </a:r>
+            <a:r>
+              <a:rPr lang="en-US" sz="2400" dirty="0"/>
+              <a:t>, Svelte, Lit and Vanilla</a:t>
+            </a:r>
+            <a:endParaRPr lang="en-US" sz="2400" dirty="0"/>
+          </a:p>
+        </p:txBody>
+      </p:sp>
+    </p:spTree>
+    <p:extLst>
+      <p:ext uri="{BB962C8B-B14F-4D97-AF65-F5344CB8AC3E}">
+        <p14:creationId xmlns:p14="http://schemas.microsoft.com/office/powerpoint/2010/main" val="3650436196"/>
+      </p:ext>
+    </p:extLst>
+  </p:cSld>
+  <p:clrMapOvr>
+    <a:masterClrMapping/>
+  </p:clrMapOvr>
+  <p:timing>
+    <p:tnLst>
+      <p:par>
+        <p:cTn id="1" dur="indefinite" restart="never" nodeType="tmRoot"/>
+      </p:par>
+    </p:tnLst>
+  </p:timing>
+</p:sld>
+</file>
+
+<file path=ppt/slides/slide14.xml><?xml version="1.0" encoding="utf-8"?>
+<p:sld xmlns:a="http://schemas.openxmlformats.org/drawingml/2006/main" xmlns:r="http://schemas.openxmlformats.org/officeDocument/2006/relationships" xmlns:p="http://schemas.openxmlformats.org/presentationml/2006/main">
+  <p:cSld>
+    <p:spTree>
+      <p:nvGrpSpPr>
+        <p:cNvPr id="1" name=""/>
+        <p:cNvGrpSpPr/>
+        <p:nvPr/>
+      </p:nvGrpSpPr>
+      <p:grpSpPr>
+        <a:xfrm>
+          <a:off x="0" y="0"/>
+          <a:ext cx="0" cy="0"/>
+          <a:chOff x="0" y="0"/>
+          <a:chExt cx="0" cy="0"/>
+        </a:xfrm>
+      </p:grpSpPr>
+      <p:sp>
+        <p:nvSpPr>
+          <p:cNvPr id="2" name="Title 1">
+            <a:extLst>
+              <a:ext uri="{FF2B5EF4-FFF2-40B4-BE49-F238E27FC236}">
+                <a16:creationId xmlns:a16="http://schemas.microsoft.com/office/drawing/2014/main" id="{28D09562-4D8D-434E-AE6A-6CF89E6B1BBF}"/>
+              </a:ext>
+            </a:extLst>
+          </p:cNvPr>
+          <p:cNvSpPr>
+            <a:spLocks noGrp="1"/>
+          </p:cNvSpPr>
+          <p:nvPr>
+            <p:ph type="title"/>
+          </p:nvPr>
+        </p:nvSpPr>
+        <p:spPr/>
+        <p:txBody>
+          <a:bodyPr/>
+          <a:lstStyle/>
+          <a:p>
+            <a:r>
+              <a:rPr lang="en-US" dirty="0" smtClean="0"/>
+              <a:t>Disadvantages</a:t>
+            </a:r>
+            <a:endParaRPr lang="en-US" dirty="0"/>
+          </a:p>
+        </p:txBody>
+      </p:sp>
+      <p:sp>
+        <p:nvSpPr>
+          <p:cNvPr id="3" name="Text Placeholder 2">
+            <a:extLst>
+              <a:ext uri="{FF2B5EF4-FFF2-40B4-BE49-F238E27FC236}">
+                <a16:creationId xmlns:a16="http://schemas.microsoft.com/office/drawing/2014/main" id="{980004BA-4F47-4C5C-B300-EF35A2F015DB}"/>
+              </a:ext>
+            </a:extLst>
+          </p:cNvPr>
+          <p:cNvSpPr>
+            <a:spLocks noGrp="1"/>
+          </p:cNvSpPr>
+          <p:nvPr>
+            <p:ph type="body" sz="quarter" idx="11"/>
+          </p:nvPr>
+        </p:nvSpPr>
+        <p:spPr/>
+        <p:txBody>
+          <a:bodyPr>
+            <a:normAutofit/>
+          </a:bodyPr>
+          <a:lstStyle/>
+          <a:p>
+            <a:r>
+              <a:rPr lang="en-US" sz="2400" dirty="0"/>
+              <a:t>Limited browser </a:t>
+            </a:r>
+            <a:r>
+              <a:rPr lang="en-US" sz="2400" dirty="0" smtClean="0"/>
+              <a:t>compatibility</a:t>
+            </a:r>
+          </a:p>
+          <a:p>
+            <a:r>
+              <a:rPr lang="en-US" sz="2400" dirty="0" smtClean="0"/>
+              <a:t>Small community</a:t>
+            </a:r>
+          </a:p>
+          <a:p>
+            <a:r>
+              <a:rPr lang="en-US" sz="2400" dirty="0" smtClean="0"/>
+              <a:t>Using </a:t>
+            </a:r>
+            <a:r>
+              <a:rPr lang="en-US" sz="2400" dirty="0"/>
+              <a:t>different </a:t>
+            </a:r>
+            <a:r>
+              <a:rPr lang="en-US" sz="2400" dirty="0" smtClean="0"/>
+              <a:t>bundlers </a:t>
+            </a:r>
+            <a:r>
+              <a:rPr lang="en-US" sz="2400" dirty="0"/>
+              <a:t>for the dev and prod environment could result in </a:t>
+            </a:r>
+            <a:r>
+              <a:rPr lang="en-US" sz="2400" dirty="0" smtClean="0"/>
+              <a:t>bugs</a:t>
+            </a:r>
+          </a:p>
+          <a:p>
+            <a:r>
+              <a:rPr lang="en-US" sz="2400" dirty="0" smtClean="0"/>
+              <a:t>Lack of Jest support</a:t>
+            </a:r>
+            <a:endParaRPr lang="en-US" sz="2400" dirty="0"/>
+          </a:p>
+        </p:txBody>
+      </p:sp>
+    </p:spTree>
+    <p:extLst>
+      <p:ext uri="{BB962C8B-B14F-4D97-AF65-F5344CB8AC3E}">
+        <p14:creationId xmlns:p14="http://schemas.microsoft.com/office/powerpoint/2010/main" val="79752320"/>
+      </p:ext>
+    </p:extLst>
+  </p:cSld>
+  <p:clrMapOvr>
+    <a:masterClrMapping/>
+  </p:clrMapOvr>
+  <p:timing>
+    <p:tnLst>
+      <p:par>
+        <p:cTn id="1" dur="indefinite" restart="never" nodeType="tmRoot"/>
+      </p:par>
+    </p:tnLst>
+  </p:timing>
+</p:sld>
+</file>
+
+<file path=ppt/slides/slide15.xml><?xml version="1.0" encoding="utf-8"?>
+<p:sld xmlns:a="http://schemas.openxmlformats.org/drawingml/2006/main" xmlns:r="http://schemas.openxmlformats.org/officeDocument/2006/relationships" xmlns:p="http://schemas.openxmlformats.org/presentationml/2006/main">
+  <p:cSld>
+    <p:spTree>
+      <p:nvGrpSpPr>
+        <p:cNvPr id="1" name=""/>
+        <p:cNvGrpSpPr/>
+        <p:nvPr/>
+      </p:nvGrpSpPr>
+      <p:grpSpPr>
+        <a:xfrm>
+          <a:off x="0" y="0"/>
+          <a:ext cx="0" cy="0"/>
+          <a:chOff x="0" y="0"/>
+          <a:chExt cx="0" cy="0"/>
+        </a:xfrm>
+      </p:grpSpPr>
+      <p:sp>
+        <p:nvSpPr>
+          <p:cNvPr id="2" name="Text Placeholder 1">
+            <a:extLst>
+              <a:ext uri="{FF2B5EF4-FFF2-40B4-BE49-F238E27FC236}">
+                <a16:creationId xmlns:a16="http://schemas.microsoft.com/office/drawing/2014/main" id="{4483D1C0-AEBE-43F2-AF2A-23F080C327DF}"/>
+              </a:ext>
+            </a:extLst>
+          </p:cNvPr>
+          <p:cNvSpPr>
+            <a:spLocks noGrp="1"/>
+          </p:cNvSpPr>
+          <p:nvPr>
+            <p:ph type="body" sz="quarter" idx="15"/>
+          </p:nvPr>
+        </p:nvSpPr>
+        <p:spPr/>
+        <p:txBody>
+          <a:bodyPr/>
+          <a:lstStyle/>
+          <a:p>
+            <a:r>
+              <a:rPr lang="en-US" dirty="0" smtClean="0"/>
+              <a:t>Create a </a:t>
+            </a:r>
+            <a:r>
+              <a:rPr lang="en-US" dirty="0" err="1" smtClean="0"/>
+              <a:t>Vite</a:t>
+            </a:r>
+            <a:r>
+              <a:rPr lang="en-US" dirty="0" smtClean="0"/>
+              <a:t> project</a:t>
+            </a:r>
+            <a:endParaRPr lang="en-US" dirty="0"/>
+          </a:p>
+        </p:txBody>
+      </p:sp>
+      <p:sp>
+        <p:nvSpPr>
+          <p:cNvPr id="3" name="Text Placeholder 2">
+            <a:extLst>
+              <a:ext uri="{FF2B5EF4-FFF2-40B4-BE49-F238E27FC236}">
+                <a16:creationId xmlns:a16="http://schemas.microsoft.com/office/drawing/2014/main" id="{9BBB8D4B-E800-4849-82AC-CE4520B69691}"/>
+              </a:ext>
+            </a:extLst>
+          </p:cNvPr>
+          <p:cNvSpPr>
+            <a:spLocks noGrp="1"/>
+          </p:cNvSpPr>
+          <p:nvPr>
+            <p:ph type="body" sz="quarter" idx="16"/>
+          </p:nvPr>
+        </p:nvSpPr>
+        <p:spPr/>
+        <p:txBody>
+          <a:bodyPr/>
+          <a:lstStyle/>
+          <a:p>
+            <a:r>
+              <a:rPr lang="en-US" dirty="0" smtClean="0"/>
+              <a:t>02</a:t>
+            </a:r>
+            <a:endParaRPr lang="en-US" dirty="0"/>
+          </a:p>
+        </p:txBody>
+      </p:sp>
+    </p:spTree>
+    <p:extLst>
+      <p:ext uri="{BB962C8B-B14F-4D97-AF65-F5344CB8AC3E}">
+        <p14:creationId xmlns:p14="http://schemas.microsoft.com/office/powerpoint/2010/main" val="4136072690"/>
+      </p:ext>
+    </p:extLst>
+  </p:cSld>
+  <p:clrMapOvr>
+    <a:masterClrMapping/>
+  </p:clrMapOvr>
+  <p:timing>
+    <p:tnLst>
+      <p:par>
+        <p:cTn id="1" dur="indefinite" restart="never" nodeType="tmRoot"/>
+      </p:par>
+    </p:tnLst>
+  </p:timing>
+</p:sld>
+</file>
+
+<file path=ppt/slides/slide16.xml><?xml version="1.0" encoding="utf-8"?>
+<p:sld xmlns:a="http://schemas.openxmlformats.org/drawingml/2006/main" xmlns:r="http://schemas.openxmlformats.org/officeDocument/2006/relationships" xmlns:p="http://schemas.openxmlformats.org/presentationml/2006/main">
+  <p:cSld>
+    <p:spTree>
+      <p:nvGrpSpPr>
+        <p:cNvPr id="1" name=""/>
+        <p:cNvGrpSpPr/>
+        <p:nvPr/>
+      </p:nvGrpSpPr>
+      <p:grpSpPr>
+        <a:xfrm>
+          <a:off x="0" y="0"/>
+          <a:ext cx="0" cy="0"/>
+          <a:chOff x="0" y="0"/>
+          <a:chExt cx="0" cy="0"/>
+        </a:xfrm>
+      </p:grpSpPr>
+      <p:sp>
+        <p:nvSpPr>
+          <p:cNvPr id="2" name="Title 1">
+            <a:extLst>
+              <a:ext uri="{FF2B5EF4-FFF2-40B4-BE49-F238E27FC236}">
+                <a16:creationId xmlns:a16="http://schemas.microsoft.com/office/drawing/2014/main" id="{28D09562-4D8D-434E-AE6A-6CF89E6B1BBF}"/>
+              </a:ext>
+            </a:extLst>
+          </p:cNvPr>
+          <p:cNvSpPr>
+            <a:spLocks noGrp="1"/>
+          </p:cNvSpPr>
+          <p:nvPr>
+            <p:ph type="title"/>
+          </p:nvPr>
+        </p:nvSpPr>
+        <p:spPr/>
+        <p:txBody>
+          <a:bodyPr/>
+          <a:lstStyle/>
+          <a:p>
+            <a:r>
+              <a:rPr lang="en-US" dirty="0"/>
+              <a:t>Create a </a:t>
+            </a:r>
+            <a:r>
+              <a:rPr lang="en-US" dirty="0" err="1"/>
+              <a:t>Vite</a:t>
+            </a:r>
+            <a:r>
+              <a:rPr lang="en-US" dirty="0"/>
+              <a:t> project</a:t>
+            </a:r>
+            <a:endParaRPr lang="en-US" dirty="0"/>
+          </a:p>
+        </p:txBody>
+      </p:sp>
+      <p:sp>
+        <p:nvSpPr>
+          <p:cNvPr id="3" name="Text Placeholder 2">
+            <a:extLst>
+              <a:ext uri="{FF2B5EF4-FFF2-40B4-BE49-F238E27FC236}">
+                <a16:creationId xmlns:a16="http://schemas.microsoft.com/office/drawing/2014/main" id="{980004BA-4F47-4C5C-B300-EF35A2F015DB}"/>
+              </a:ext>
+            </a:extLst>
+          </p:cNvPr>
+          <p:cNvSpPr>
+            <a:spLocks noGrp="1"/>
+          </p:cNvSpPr>
+          <p:nvPr>
+            <p:ph type="body" sz="quarter" idx="11"/>
+          </p:nvPr>
+        </p:nvSpPr>
+        <p:spPr/>
+        <p:txBody>
+          <a:bodyPr>
+            <a:normAutofit/>
+          </a:bodyPr>
+          <a:lstStyle/>
+          <a:p>
+            <a:pPr marL="0" indent="0">
+              <a:buNone/>
+            </a:pPr>
+            <a:r>
+              <a:rPr lang="en-US" sz="2800" b="1" dirty="0" smtClean="0"/>
+              <a:t>Requirements:</a:t>
+            </a:r>
+          </a:p>
+          <a:p>
+            <a:pPr lvl="1">
+              <a:buFont typeface="Arial" panose="020B0604020202020204" pitchFamily="34" charset="0"/>
+              <a:buChar char="•"/>
+            </a:pPr>
+            <a:r>
+              <a:rPr lang="en-US" sz="2200" dirty="0"/>
+              <a:t>Node.js 12.2+</a:t>
+            </a:r>
+          </a:p>
+          <a:p>
+            <a:pPr lvl="1">
+              <a:buFont typeface="Arial" panose="020B0604020202020204" pitchFamily="34" charset="0"/>
+              <a:buChar char="•"/>
+            </a:pPr>
+            <a:r>
+              <a:rPr lang="en-US" sz="2200" dirty="0" err="1"/>
+              <a:t>npm</a:t>
+            </a:r>
+            <a:r>
+              <a:rPr lang="en-US" sz="2200" dirty="0"/>
+              <a:t> or yarn</a:t>
+            </a:r>
+          </a:p>
+          <a:p>
+            <a:pPr marL="0" indent="0">
+              <a:buNone/>
+            </a:pPr>
+            <a:endParaRPr lang="en-US" sz="2800" b="1" dirty="0" smtClean="0"/>
+          </a:p>
+          <a:p>
+            <a:pPr marL="0" indent="0">
+              <a:buNone/>
+            </a:pPr>
+            <a:r>
+              <a:rPr lang="en-US" sz="2800" b="1" dirty="0" smtClean="0"/>
+              <a:t>Run the following command:</a:t>
+            </a:r>
+          </a:p>
+          <a:p>
+            <a:pPr marL="457200" lvl="1" indent="0">
+              <a:buNone/>
+            </a:pPr>
+            <a:endParaRPr lang="en-US" sz="2200" dirty="0" smtClean="0"/>
+          </a:p>
+        </p:txBody>
+      </p:sp>
+      <p:pic>
+        <p:nvPicPr>
+          <p:cNvPr id="4" name="Picture 3"/>
+          <p:cNvPicPr>
+            <a:picLocks noChangeAspect="1"/>
+          </p:cNvPicPr>
+          <p:nvPr/>
+        </p:nvPicPr>
+        <p:blipFill>
+          <a:blip r:embed="rId2"/>
+          <a:stretch>
+            <a:fillRect/>
+          </a:stretch>
+        </p:blipFill>
+        <p:spPr>
+          <a:xfrm>
+            <a:off x="938783" y="3729923"/>
+            <a:ext cx="9373908" cy="952633"/>
+          </a:xfrm>
+          <a:prstGeom prst="rect">
+            <a:avLst/>
+          </a:prstGeom>
+        </p:spPr>
+      </p:pic>
+    </p:spTree>
+    <p:extLst>
+      <p:ext uri="{BB962C8B-B14F-4D97-AF65-F5344CB8AC3E}">
+        <p14:creationId xmlns:p14="http://schemas.microsoft.com/office/powerpoint/2010/main" val="1721504462"/>
+      </p:ext>
+    </p:extLst>
+  </p:cSld>
+  <p:clrMapOvr>
+    <a:masterClrMapping/>
+  </p:clrMapOvr>
+  <p:timing>
+    <p:tnLst>
+      <p:par>
+        <p:cTn id="1" dur="indefinite" restart="never" nodeType="tmRoot"/>
+      </p:par>
+    </p:tnLst>
+  </p:timing>
+</p:sld>
+</file>
+
+<file path=ppt/slides/slide17.xml><?xml version="1.0" encoding="utf-8"?>
+<p:sld xmlns:a="http://schemas.openxmlformats.org/drawingml/2006/main" xmlns:r="http://schemas.openxmlformats.org/officeDocument/2006/relationships" xmlns:p="http://schemas.openxmlformats.org/presentationml/2006/main">
+  <p:cSld>
+    <p:spTree>
+      <p:nvGrpSpPr>
+        <p:cNvPr id="1" name=""/>
+        <p:cNvGrpSpPr/>
+        <p:nvPr/>
+      </p:nvGrpSpPr>
+      <p:grpSpPr>
+        <a:xfrm>
+          <a:off x="0" y="0"/>
+          <a:ext cx="0" cy="0"/>
+          <a:chOff x="0" y="0"/>
+          <a:chExt cx="0" cy="0"/>
+        </a:xfrm>
+      </p:grpSpPr>
+      <p:sp>
+        <p:nvSpPr>
+          <p:cNvPr id="2" name="Title 1">
+            <a:extLst>
+              <a:ext uri="{FF2B5EF4-FFF2-40B4-BE49-F238E27FC236}">
+                <a16:creationId xmlns:a16="http://schemas.microsoft.com/office/drawing/2014/main" id="{28D09562-4D8D-434E-AE6A-6CF89E6B1BBF}"/>
+              </a:ext>
+            </a:extLst>
+          </p:cNvPr>
+          <p:cNvSpPr>
+            <a:spLocks noGrp="1"/>
+          </p:cNvSpPr>
+          <p:nvPr>
+            <p:ph type="title"/>
+          </p:nvPr>
+        </p:nvSpPr>
+        <p:spPr/>
+        <p:txBody>
+          <a:bodyPr/>
+          <a:lstStyle/>
+          <a:p>
+            <a:r>
+              <a:rPr lang="en-US" dirty="0"/>
+              <a:t>Create a </a:t>
+            </a:r>
+            <a:r>
+              <a:rPr lang="en-US" dirty="0" err="1"/>
+              <a:t>Vite</a:t>
+            </a:r>
+            <a:r>
+              <a:rPr lang="en-US" dirty="0"/>
+              <a:t> project</a:t>
+            </a:r>
+            <a:endParaRPr lang="en-US" dirty="0"/>
+          </a:p>
+        </p:txBody>
+      </p:sp>
+      <p:sp>
+        <p:nvSpPr>
+          <p:cNvPr id="3" name="Text Placeholder 2">
+            <a:extLst>
+              <a:ext uri="{FF2B5EF4-FFF2-40B4-BE49-F238E27FC236}">
+                <a16:creationId xmlns:a16="http://schemas.microsoft.com/office/drawing/2014/main" id="{980004BA-4F47-4C5C-B300-EF35A2F015DB}"/>
+              </a:ext>
+            </a:extLst>
+          </p:cNvPr>
+          <p:cNvSpPr>
+            <a:spLocks noGrp="1"/>
+          </p:cNvSpPr>
+          <p:nvPr>
+            <p:ph type="body" sz="quarter" idx="11"/>
+          </p:nvPr>
+        </p:nvSpPr>
+        <p:spPr/>
+        <p:txBody>
+          <a:bodyPr>
+            <a:normAutofit/>
+          </a:bodyPr>
+          <a:lstStyle/>
+          <a:p>
+            <a:r>
+              <a:rPr lang="en-US" sz="2000" dirty="0" smtClean="0"/>
+              <a:t>Enter your project name:</a:t>
+            </a:r>
+          </a:p>
+          <a:p>
+            <a:endParaRPr lang="en-US" sz="2400" dirty="0" smtClean="0"/>
+          </a:p>
+          <a:p>
+            <a:endParaRPr lang="en-US" sz="2400" dirty="0"/>
+          </a:p>
+          <a:p>
+            <a:endParaRPr lang="en-US" sz="2400" dirty="0" smtClean="0"/>
+          </a:p>
+          <a:p>
+            <a:r>
+              <a:rPr lang="en-US" sz="2000" dirty="0" smtClean="0"/>
+              <a:t>Choose a framework:</a:t>
+            </a:r>
+          </a:p>
+          <a:p>
+            <a:endParaRPr lang="en-US" sz="2400" dirty="0" smtClean="0"/>
+          </a:p>
+        </p:txBody>
+      </p:sp>
+      <p:pic>
+        <p:nvPicPr>
+          <p:cNvPr id="5" name="Picture 4"/>
+          <p:cNvPicPr>
+            <a:picLocks noChangeAspect="1"/>
+          </p:cNvPicPr>
+          <p:nvPr/>
+        </p:nvPicPr>
+        <p:blipFill>
+          <a:blip r:embed="rId2"/>
+          <a:stretch>
+            <a:fillRect/>
+          </a:stretch>
+        </p:blipFill>
+        <p:spPr>
+          <a:xfrm>
+            <a:off x="1187695" y="1628827"/>
+            <a:ext cx="4515480" cy="924054"/>
+          </a:xfrm>
+          <a:prstGeom prst="rect">
+            <a:avLst/>
+          </a:prstGeom>
+        </p:spPr>
+      </p:pic>
+      <p:pic>
+        <p:nvPicPr>
+          <p:cNvPr id="6" name="Picture 5"/>
+          <p:cNvPicPr>
+            <a:picLocks noChangeAspect="1"/>
+          </p:cNvPicPr>
+          <p:nvPr/>
+        </p:nvPicPr>
+        <p:blipFill>
+          <a:blip r:embed="rId3"/>
+          <a:stretch>
+            <a:fillRect/>
+          </a:stretch>
+        </p:blipFill>
+        <p:spPr>
+          <a:xfrm>
+            <a:off x="1187695" y="3352769"/>
+            <a:ext cx="5725169" cy="2217735"/>
+          </a:xfrm>
+          <a:prstGeom prst="rect">
+            <a:avLst/>
+          </a:prstGeom>
+        </p:spPr>
+      </p:pic>
+    </p:spTree>
+    <p:extLst>
+      <p:ext uri="{BB962C8B-B14F-4D97-AF65-F5344CB8AC3E}">
+        <p14:creationId xmlns:p14="http://schemas.microsoft.com/office/powerpoint/2010/main" val="3050769057"/>
+      </p:ext>
+    </p:extLst>
+  </p:cSld>
+  <p:clrMapOvr>
+    <a:masterClrMapping/>
+  </p:clrMapOvr>
+  <p:timing>
+    <p:tnLst>
+      <p:par>
+        <p:cTn id="1" dur="indefinite" restart="never" nodeType="tmRoot"/>
+      </p:par>
+    </p:tnLst>
+  </p:timing>
+</p:sld>
+</file>
+
+<file path=ppt/slides/slide18.xml><?xml version="1.0" encoding="utf-8"?>
+<p:sld xmlns:a="http://schemas.openxmlformats.org/drawingml/2006/main" xmlns:r="http://schemas.openxmlformats.org/officeDocument/2006/relationships" xmlns:p="http://schemas.openxmlformats.org/presentationml/2006/main">
+  <p:cSld>
+    <p:spTree>
+      <p:nvGrpSpPr>
+        <p:cNvPr id="1" name=""/>
+        <p:cNvGrpSpPr/>
+        <p:nvPr/>
+      </p:nvGrpSpPr>
+      <p:grpSpPr>
+        <a:xfrm>
+          <a:off x="0" y="0"/>
+          <a:ext cx="0" cy="0"/>
+          <a:chOff x="0" y="0"/>
+          <a:chExt cx="0" cy="0"/>
+        </a:xfrm>
+      </p:grpSpPr>
+      <p:sp>
+        <p:nvSpPr>
+          <p:cNvPr id="2" name="Title 1">
+            <a:extLst>
+              <a:ext uri="{FF2B5EF4-FFF2-40B4-BE49-F238E27FC236}">
+                <a16:creationId xmlns:a16="http://schemas.microsoft.com/office/drawing/2014/main" id="{28D09562-4D8D-434E-AE6A-6CF89E6B1BBF}"/>
+              </a:ext>
+            </a:extLst>
+          </p:cNvPr>
+          <p:cNvSpPr>
+            <a:spLocks noGrp="1"/>
+          </p:cNvSpPr>
+          <p:nvPr>
+            <p:ph type="title"/>
+          </p:nvPr>
+        </p:nvSpPr>
+        <p:spPr/>
+        <p:txBody>
+          <a:bodyPr/>
+          <a:lstStyle/>
+          <a:p>
+            <a:r>
+              <a:rPr lang="en-US" dirty="0"/>
+              <a:t>Create a </a:t>
+            </a:r>
+            <a:r>
+              <a:rPr lang="en-US" dirty="0" err="1"/>
+              <a:t>Vite</a:t>
+            </a:r>
+            <a:r>
+              <a:rPr lang="en-US" dirty="0"/>
+              <a:t> project</a:t>
+            </a:r>
+            <a:endParaRPr lang="en-US" dirty="0"/>
+          </a:p>
+        </p:txBody>
+      </p:sp>
+      <p:sp>
+        <p:nvSpPr>
+          <p:cNvPr id="3" name="Text Placeholder 2">
+            <a:extLst>
+              <a:ext uri="{FF2B5EF4-FFF2-40B4-BE49-F238E27FC236}">
+                <a16:creationId xmlns:a16="http://schemas.microsoft.com/office/drawing/2014/main" id="{980004BA-4F47-4C5C-B300-EF35A2F015DB}"/>
+              </a:ext>
+            </a:extLst>
+          </p:cNvPr>
+          <p:cNvSpPr>
+            <a:spLocks noGrp="1"/>
+          </p:cNvSpPr>
+          <p:nvPr>
+            <p:ph type="body" sz="quarter" idx="11"/>
+          </p:nvPr>
+        </p:nvSpPr>
+        <p:spPr/>
+        <p:txBody>
+          <a:bodyPr>
+            <a:normAutofit/>
+          </a:bodyPr>
+          <a:lstStyle/>
+          <a:p>
+            <a:r>
+              <a:rPr lang="en-US" sz="2000" dirty="0" smtClean="0"/>
+              <a:t>Choose a variant (SWC stands </a:t>
+            </a:r>
+            <a:r>
+              <a:rPr lang="en-US" sz="2000" dirty="0"/>
+              <a:t>for Speedy Web </a:t>
+            </a:r>
+            <a:r>
+              <a:rPr lang="en-US" sz="2000" dirty="0" smtClean="0"/>
+              <a:t>Compiler, a Rust-based bundler):</a:t>
+            </a:r>
+            <a:endParaRPr lang="en-US" sz="2000" dirty="0" smtClean="0"/>
+          </a:p>
+          <a:p>
+            <a:endParaRPr lang="en-US" sz="2400" dirty="0" smtClean="0"/>
+          </a:p>
+          <a:p>
+            <a:endParaRPr lang="en-US" sz="2400" dirty="0"/>
+          </a:p>
+          <a:p>
+            <a:endParaRPr lang="en-US" sz="2400" dirty="0" smtClean="0"/>
+          </a:p>
+          <a:p>
+            <a:pPr marL="0" indent="0">
+              <a:buNone/>
+            </a:pPr>
+            <a:endParaRPr lang="en-US" sz="2400" dirty="0"/>
+          </a:p>
+          <a:p>
+            <a:r>
+              <a:rPr lang="en-US" sz="2000" dirty="0" smtClean="0"/>
+              <a:t>Run the following command:</a:t>
+            </a:r>
+          </a:p>
+          <a:p>
+            <a:endParaRPr lang="en-US" sz="2400" dirty="0" smtClean="0"/>
+          </a:p>
+          <a:p>
+            <a:endParaRPr lang="en-US" sz="2400" dirty="0" smtClean="0"/>
+          </a:p>
+        </p:txBody>
+      </p:sp>
+      <p:pic>
+        <p:nvPicPr>
+          <p:cNvPr id="4" name="Picture 3"/>
+          <p:cNvPicPr>
+            <a:picLocks noChangeAspect="1"/>
+          </p:cNvPicPr>
+          <p:nvPr/>
+        </p:nvPicPr>
+        <p:blipFill>
+          <a:blip r:embed="rId2"/>
+          <a:stretch>
+            <a:fillRect/>
+          </a:stretch>
+        </p:blipFill>
+        <p:spPr>
+          <a:xfrm>
+            <a:off x="1187695" y="1609515"/>
+            <a:ext cx="4728473" cy="1665447"/>
+          </a:xfrm>
+          <a:prstGeom prst="rect">
+            <a:avLst/>
+          </a:prstGeom>
+        </p:spPr>
+      </p:pic>
+      <p:pic>
+        <p:nvPicPr>
+          <p:cNvPr id="7" name="Picture 6"/>
+          <p:cNvPicPr>
+            <a:picLocks noChangeAspect="1"/>
+          </p:cNvPicPr>
+          <p:nvPr/>
+        </p:nvPicPr>
+        <p:blipFill>
+          <a:blip r:embed="rId3"/>
+          <a:stretch>
+            <a:fillRect/>
+          </a:stretch>
+        </p:blipFill>
+        <p:spPr>
+          <a:xfrm>
+            <a:off x="1187695" y="3831777"/>
+            <a:ext cx="4609601" cy="2009185"/>
+          </a:xfrm>
+          <a:prstGeom prst="rect">
+            <a:avLst/>
+          </a:prstGeom>
+        </p:spPr>
+      </p:pic>
+    </p:spTree>
+    <p:extLst>
+      <p:ext uri="{BB962C8B-B14F-4D97-AF65-F5344CB8AC3E}">
+        <p14:creationId xmlns:p14="http://schemas.microsoft.com/office/powerpoint/2010/main" val="4260642262"/>
+      </p:ext>
+    </p:extLst>
+  </p:cSld>
+  <p:clrMapOvr>
+    <a:masterClrMapping/>
+  </p:clrMapOvr>
+  <p:timing>
+    <p:tnLst>
+      <p:par>
+        <p:cTn id="1" dur="indefinite" restart="never" nodeType="tmRoot"/>
+      </p:par>
+    </p:tnLst>
+  </p:timing>
+</p:sld>
+</file>
+
+<file path=ppt/slides/slide19.xml><?xml version="1.0" encoding="utf-8"?>
+<p:sld xmlns:a="http://schemas.openxmlformats.org/drawingml/2006/main" xmlns:r="http://schemas.openxmlformats.org/officeDocument/2006/relationships" xmlns:p="http://schemas.openxmlformats.org/presentationml/2006/main">
+  <p:cSld>
+    <p:spTree>
+      <p:nvGrpSpPr>
+        <p:cNvPr id="1" name=""/>
+        <p:cNvGrpSpPr/>
+        <p:nvPr/>
+      </p:nvGrpSpPr>
+      <p:grpSpPr>
+        <a:xfrm>
+          <a:off x="0" y="0"/>
+          <a:ext cx="0" cy="0"/>
+          <a:chOff x="0" y="0"/>
+          <a:chExt cx="0" cy="0"/>
+        </a:xfrm>
+      </p:grpSpPr>
+      <p:sp>
+        <p:nvSpPr>
+          <p:cNvPr id="2" name="Title 1">
+            <a:extLst>
+              <a:ext uri="{FF2B5EF4-FFF2-40B4-BE49-F238E27FC236}">
+                <a16:creationId xmlns:a16="http://schemas.microsoft.com/office/drawing/2014/main" id="{28D09562-4D8D-434E-AE6A-6CF89E6B1BBF}"/>
+              </a:ext>
+            </a:extLst>
+          </p:cNvPr>
+          <p:cNvSpPr>
+            <a:spLocks noGrp="1"/>
+          </p:cNvSpPr>
+          <p:nvPr>
+            <p:ph type="title"/>
+          </p:nvPr>
+        </p:nvSpPr>
+        <p:spPr/>
+        <p:txBody>
+          <a:bodyPr/>
+          <a:lstStyle/>
+          <a:p>
+            <a:r>
+              <a:rPr lang="en-US" dirty="0"/>
+              <a:t>Create a </a:t>
+            </a:r>
+            <a:r>
+              <a:rPr lang="en-US" dirty="0" err="1"/>
+              <a:t>Vite</a:t>
+            </a:r>
+            <a:r>
+              <a:rPr lang="en-US" dirty="0"/>
+              <a:t> project</a:t>
+            </a:r>
+            <a:endParaRPr lang="en-US" dirty="0"/>
+          </a:p>
+        </p:txBody>
+      </p:sp>
+      <p:sp>
+        <p:nvSpPr>
+          <p:cNvPr id="3" name="Text Placeholder 2">
+            <a:extLst>
+              <a:ext uri="{FF2B5EF4-FFF2-40B4-BE49-F238E27FC236}">
+                <a16:creationId xmlns:a16="http://schemas.microsoft.com/office/drawing/2014/main" id="{980004BA-4F47-4C5C-B300-EF35A2F015DB}"/>
+              </a:ext>
+            </a:extLst>
+          </p:cNvPr>
+          <p:cNvSpPr>
+            <a:spLocks noGrp="1"/>
+          </p:cNvSpPr>
+          <p:nvPr>
+            <p:ph type="body" sz="quarter" idx="11"/>
+          </p:nvPr>
+        </p:nvSpPr>
+        <p:spPr/>
+        <p:txBody>
+          <a:bodyPr>
+            <a:normAutofit/>
+          </a:bodyPr>
+          <a:lstStyle/>
+          <a:p>
+            <a:r>
+              <a:rPr lang="en-US" sz="2400" dirty="0" smtClean="0"/>
+              <a:t>The project is ready in 399ms</a:t>
+            </a:r>
+          </a:p>
+          <a:p>
+            <a:endParaRPr lang="en-US" sz="2400" dirty="0" smtClean="0"/>
+          </a:p>
+        </p:txBody>
+      </p:sp>
+      <p:pic>
+        <p:nvPicPr>
+          <p:cNvPr id="5" name="Picture 4"/>
+          <p:cNvPicPr>
+            <a:picLocks noChangeAspect="1"/>
+          </p:cNvPicPr>
+          <p:nvPr/>
+        </p:nvPicPr>
+        <p:blipFill>
+          <a:blip r:embed="rId2"/>
+          <a:stretch>
+            <a:fillRect/>
+          </a:stretch>
+        </p:blipFill>
+        <p:spPr>
+          <a:xfrm>
+            <a:off x="931200" y="1881067"/>
+            <a:ext cx="4168305" cy="1456493"/>
+          </a:xfrm>
+          <a:prstGeom prst="rect">
+            <a:avLst/>
+          </a:prstGeom>
+        </p:spPr>
+      </p:pic>
+      <p:pic>
+        <p:nvPicPr>
+          <p:cNvPr id="6" name="Picture 5"/>
+          <p:cNvPicPr>
+            <a:picLocks noChangeAspect="1"/>
+          </p:cNvPicPr>
+          <p:nvPr/>
+        </p:nvPicPr>
+        <p:blipFill>
+          <a:blip r:embed="rId3"/>
+          <a:stretch>
+            <a:fillRect/>
+          </a:stretch>
+        </p:blipFill>
+        <p:spPr>
+          <a:xfrm>
+            <a:off x="5740828" y="1881066"/>
+            <a:ext cx="6000424" cy="2818949"/>
+          </a:xfrm>
+          <a:prstGeom prst="rect">
+            <a:avLst/>
+          </a:prstGeom>
+        </p:spPr>
+      </p:pic>
+    </p:spTree>
+    <p:extLst>
+      <p:ext uri="{BB962C8B-B14F-4D97-AF65-F5344CB8AC3E}">
+        <p14:creationId xmlns:p14="http://schemas.microsoft.com/office/powerpoint/2010/main" val="4289205042"/>
+      </p:ext>
+    </p:extLst>
+  </p:cSld>
+  <p:clrMapOvr>
+    <a:masterClrMapping/>
+  </p:clrMapOvr>
+  <p:timing>
+    <p:tnLst>
+      <p:par>
+        <p:cTn id="1" dur="indefinite" restart="never" nodeType="tmRoot"/>
+      </p:par>
+    </p:tnLst>
+  </p:timing>
 </p:sld>
 </file>
 
@@ -19893,15 +21443,7 @@
             <a:pPr lvl="0"/>
             <a:r>
               <a:rPr lang="en-US" dirty="0" smtClean="0"/>
-              <a:t>Advantages </a:t>
-            </a:r>
-            <a:r>
-              <a:rPr lang="en-US" dirty="0" smtClean="0"/>
-              <a:t>&amp; </a:t>
-            </a:r>
-            <a:r>
-              <a:rPr lang="en-US" dirty="0" smtClean="0"/>
-              <a:t>disadvantages</a:t>
+              <a:t>Advantages &amp; disadvantages</a:t>
             </a:r>
           </a:p>
           <a:p>
@@ -19921,6 +21463,10 @@
             <a:endParaRPr lang="en-US" dirty="0"/>
           </a:p>
           <a:p>
+            <a:r>
+              <a:rPr lang="en-US" dirty="0" err="1" smtClean="0"/>
+              <a:t>Refereces</a:t>
+            </a:r>
             <a:endParaRPr lang="en-US" dirty="0"/>
           </a:p>
         </p:txBody>
@@ -19929,6 +21475,174 @@
     <p:extLst>
       <p:ext uri="{BB962C8B-B14F-4D97-AF65-F5344CB8AC3E}">
         <p14:creationId xmlns:p14="http://schemas.microsoft.com/office/powerpoint/2010/main" val="3172151810"/>
+      </p:ext>
+    </p:extLst>
+  </p:cSld>
+  <p:clrMapOvr>
+    <a:masterClrMapping/>
+  </p:clrMapOvr>
+</p:sld>
+</file>
+
+<file path=ppt/slides/slide20.xml><?xml version="1.0" encoding="utf-8"?>
+<p:sld xmlns:a="http://schemas.openxmlformats.org/drawingml/2006/main" xmlns:r="http://schemas.openxmlformats.org/officeDocument/2006/relationships" xmlns:p="http://schemas.openxmlformats.org/presentationml/2006/main">
+  <p:cSld>
+    <p:spTree>
+      <p:nvGrpSpPr>
+        <p:cNvPr id="1" name=""/>
+        <p:cNvGrpSpPr/>
+        <p:nvPr/>
+      </p:nvGrpSpPr>
+      <p:grpSpPr>
+        <a:xfrm>
+          <a:off x="0" y="0"/>
+          <a:ext cx="0" cy="0"/>
+          <a:chOff x="0" y="0"/>
+          <a:chExt cx="0" cy="0"/>
+        </a:xfrm>
+      </p:grpSpPr>
+      <p:sp>
+        <p:nvSpPr>
+          <p:cNvPr id="2" name="Title 1">
+            <a:extLst>
+              <a:ext uri="{FF2B5EF4-FFF2-40B4-BE49-F238E27FC236}">
+                <a16:creationId xmlns:a16="http://schemas.microsoft.com/office/drawing/2014/main" id="{28D09562-4D8D-434E-AE6A-6CF89E6B1BBF}"/>
+              </a:ext>
+            </a:extLst>
+          </p:cNvPr>
+          <p:cNvSpPr>
+            <a:spLocks noGrp="1"/>
+          </p:cNvSpPr>
+          <p:nvPr>
+            <p:ph type="title"/>
+          </p:nvPr>
+        </p:nvSpPr>
+        <p:spPr/>
+        <p:txBody>
+          <a:bodyPr/>
+          <a:lstStyle/>
+          <a:p>
+            <a:r>
+              <a:rPr lang="en-US" dirty="0" smtClean="0"/>
+              <a:t>References</a:t>
+            </a:r>
+            <a:endParaRPr lang="en-US" dirty="0"/>
+          </a:p>
+        </p:txBody>
+      </p:sp>
+      <p:sp>
+        <p:nvSpPr>
+          <p:cNvPr id="3" name="Text Placeholder 2">
+            <a:extLst>
+              <a:ext uri="{FF2B5EF4-FFF2-40B4-BE49-F238E27FC236}">
+                <a16:creationId xmlns:a16="http://schemas.microsoft.com/office/drawing/2014/main" id="{980004BA-4F47-4C5C-B300-EF35A2F015DB}"/>
+              </a:ext>
+            </a:extLst>
+          </p:cNvPr>
+          <p:cNvSpPr>
+            <a:spLocks noGrp="1"/>
+          </p:cNvSpPr>
+          <p:nvPr>
+            <p:ph type="body" sz="quarter" idx="11"/>
+          </p:nvPr>
+        </p:nvSpPr>
+        <p:spPr/>
+        <p:txBody>
+          <a:bodyPr>
+            <a:normAutofit/>
+          </a:bodyPr>
+          <a:lstStyle/>
+          <a:p>
+            <a:r>
+              <a:rPr lang="en-US" sz="2400" dirty="0" err="1">
+                <a:hlinkClick r:id="rId2"/>
+              </a:rPr>
+              <a:t>Vite</a:t>
+            </a:r>
+            <a:r>
+              <a:rPr lang="en-US" sz="2400" dirty="0">
+                <a:hlinkClick r:id="rId2"/>
+              </a:rPr>
+              <a:t> | Next Generation Frontend Tooling (</a:t>
+            </a:r>
+            <a:r>
+              <a:rPr lang="en-US" sz="2400" dirty="0" err="1">
+                <a:hlinkClick r:id="rId2"/>
+              </a:rPr>
+              <a:t>vitejs.dev</a:t>
+            </a:r>
+            <a:r>
+              <a:rPr lang="en-US" sz="2400" dirty="0" smtClean="0">
+                <a:hlinkClick r:id="rId2"/>
+              </a:rPr>
+              <a:t>)</a:t>
+            </a:r>
+            <a:endParaRPr lang="en-US" sz="2400" dirty="0" smtClean="0"/>
+          </a:p>
+          <a:p>
+            <a:r>
+              <a:rPr lang="en-US" sz="2400" dirty="0">
+                <a:hlinkClick r:id="rId3"/>
+              </a:rPr>
+              <a:t>Learn </a:t>
+            </a:r>
+            <a:r>
+              <a:rPr lang="en-US" sz="2400" dirty="0" err="1">
+                <a:hlinkClick r:id="rId3"/>
+              </a:rPr>
+              <a:t>Vite</a:t>
+            </a:r>
+            <a:r>
+              <a:rPr lang="en-US" sz="2400" dirty="0">
+                <a:hlinkClick r:id="rId3"/>
+              </a:rPr>
+              <a:t> with Evan You - YouTube</a:t>
+            </a:r>
+            <a:endParaRPr lang="en-US" sz="2400" dirty="0" smtClean="0"/>
+          </a:p>
+        </p:txBody>
+      </p:sp>
+    </p:spTree>
+    <p:extLst>
+      <p:ext uri="{BB962C8B-B14F-4D97-AF65-F5344CB8AC3E}">
+        <p14:creationId xmlns:p14="http://schemas.microsoft.com/office/powerpoint/2010/main" val="1948502852"/>
+      </p:ext>
+    </p:extLst>
+  </p:cSld>
+  <p:clrMapOvr>
+    <a:masterClrMapping/>
+  </p:clrMapOvr>
+  <p:timing>
+    <p:tnLst>
+      <p:par>
+        <p:cTn id="1" dur="indefinite" restart="never" nodeType="tmRoot"/>
+      </p:par>
+    </p:tnLst>
+  </p:timing>
+</p:sld>
+</file>
+
+<file path=ppt/slides/slide21.xml><?xml version="1.0" encoding="utf-8"?>
+<p:sld xmlns:a="http://schemas.openxmlformats.org/drawingml/2006/main" xmlns:r="http://schemas.openxmlformats.org/officeDocument/2006/relationships" xmlns:p="http://schemas.openxmlformats.org/presentationml/2006/main">
+  <p:cSld>
+    <p:spTree>
+      <p:nvGrpSpPr>
+        <p:cNvPr id="1" name=""/>
+        <p:cNvGrpSpPr/>
+        <p:nvPr/>
+      </p:nvGrpSpPr>
+      <p:grpSpPr>
+        <a:xfrm>
+          <a:off x="0" y="0"/>
+          <a:ext cx="0" cy="0"/>
+          <a:chOff x="0" y="0"/>
+          <a:chExt cx="0" cy="0"/>
+        </a:xfrm>
+      </p:grpSpPr>
+    </p:spTree>
+    <p:extLst>
+      <p:ext uri="{BB962C8B-B14F-4D97-AF65-F5344CB8AC3E}">
+        <p14:creationId xmlns:p14="http://schemas.microsoft.com/office/powerpoint/2010/main" val="610108693"/>
       </p:ext>
     </p:extLst>
   </p:cSld>
@@ -20469,7 +22183,6 @@
               <a:rPr lang="en-US" sz="2400" dirty="0" smtClean="0"/>
               <a:t>support</a:t>
             </a:r>
-            <a:endParaRPr lang="en-US" sz="2400" dirty="0" smtClean="0"/>
           </a:p>
           <a:p>
             <a:r>
@@ -20618,82 +22331,65 @@
           <a:lstStyle/>
           <a:p>
             <a:r>
-              <a:rPr lang="en-US" sz="2000" dirty="0" smtClean="0"/>
-              <a:t>Bundles dependencies 10-100x faster than other JavaScript-based bundlers</a:t>
-            </a:r>
-          </a:p>
-          <a:p>
-            <a:endParaRPr lang="en-US" sz="2000" dirty="0" smtClean="0"/>
-          </a:p>
-        </p:txBody>
-      </p:sp>
-      <p:pic>
-        <p:nvPicPr>
-          <p:cNvPr id="5" name="Picture 4"/>
-          <p:cNvPicPr>
-            <a:picLocks noChangeAspect="1"/>
-          </p:cNvPicPr>
-          <p:nvPr/>
-        </p:nvPicPr>
-        <p:blipFill>
-          <a:blip r:embed="rId2"/>
-          <a:stretch>
-            <a:fillRect/>
-          </a:stretch>
-        </p:blipFill>
-        <p:spPr>
-          <a:xfrm>
-            <a:off x="1607440" y="2845709"/>
-            <a:ext cx="8754531" cy="2223906"/>
-          </a:xfrm>
-          <a:prstGeom prst="rect">
-            <a:avLst/>
-          </a:prstGeom>
-        </p:spPr>
-      </p:pic>
-      <p:sp>
-        <p:nvSpPr>
-          <p:cNvPr id="6" name="TextBox 5"/>
-          <p:cNvSpPr txBox="1"/>
-          <p:nvPr/>
-        </p:nvSpPr>
-        <p:spPr>
-          <a:xfrm>
-            <a:off x="5239512" y="5153794"/>
-            <a:ext cx="1870448" cy="307777"/>
-          </a:xfrm>
-          <a:prstGeom prst="rect">
-            <a:avLst/>
-          </a:prstGeom>
-          <a:noFill/>
-        </p:spPr>
-        <p:txBody>
-          <a:bodyPr wrap="none" rtlCol="0">
-            <a:spAutoFit/>
-          </a:bodyPr>
-          <a:lstStyle/>
-          <a:p>
-            <a:pPr algn="l"/>
-            <a:r>
-              <a:rPr lang="en-US" sz="1400" i="1" dirty="0" smtClean="0">
-                <a:solidFill>
-                  <a:schemeClr val="bg2"/>
-                </a:solidFill>
-              </a:rPr>
-              <a:t>Vishnu Sivan (dev.to)</a:t>
-            </a:r>
-            <a:endParaRPr lang="en-US" sz="1400" i="1" dirty="0" smtClean="0">
-              <a:solidFill>
-                <a:schemeClr val="bg2"/>
-              </a:solidFill>
-            </a:endParaRPr>
+              <a:rPr lang="en-US" sz="2400" dirty="0" smtClean="0"/>
+              <a:t>Support </a:t>
+            </a:r>
+            <a:r>
+              <a:rPr lang="en-US" sz="2400" dirty="0"/>
+              <a:t>for Hot Module Replacement (HMR</a:t>
+            </a:r>
+            <a:r>
+              <a:rPr lang="en-US" sz="2400" dirty="0" smtClean="0"/>
+              <a:t>)</a:t>
+            </a:r>
+          </a:p>
+          <a:p>
+            <a:r>
+              <a:rPr lang="en-US" sz="2400" dirty="0" err="1"/>
+              <a:t>Vite</a:t>
+            </a:r>
+            <a:r>
+              <a:rPr lang="en-US" sz="2400" dirty="0"/>
+              <a:t> 4.0 now uses Rollup 3.0 at build </a:t>
+            </a:r>
+            <a:r>
+              <a:rPr lang="en-US" sz="2400" dirty="0" smtClean="0"/>
+              <a:t>time</a:t>
+            </a:r>
+          </a:p>
+          <a:p>
+            <a:r>
+              <a:rPr lang="en-US" sz="2400" dirty="0" err="1"/>
+              <a:t>Vite</a:t>
+            </a:r>
+            <a:r>
+              <a:rPr lang="en-US" sz="2400" dirty="0"/>
+              <a:t> 4.0: adds support for SWC, a Rust-based bundler that claims </a:t>
+            </a:r>
+            <a:r>
+              <a:rPr lang="en-US" sz="2400" dirty="0" smtClean="0"/>
+              <a:t>speed </a:t>
+            </a:r>
+            <a:r>
+              <a:rPr lang="en-US" sz="2400" dirty="0"/>
+              <a:t>improvement over Babel</a:t>
+            </a:r>
+          </a:p>
+          <a:p>
+            <a:pPr marL="0" indent="0">
+              <a:buNone/>
+            </a:pPr>
+            <a:endParaRPr lang="en-US" sz="2400" dirty="0"/>
+          </a:p>
+          <a:p>
+            <a:endParaRPr lang="en-US" sz="2400" dirty="0" smtClean="0"/>
           </a:p>
         </p:txBody>
       </p:sp>
     </p:spTree>
     <p:extLst>
       <p:ext uri="{BB962C8B-B14F-4D97-AF65-F5344CB8AC3E}">
-        <p14:creationId xmlns:p14="http://schemas.microsoft.com/office/powerpoint/2010/main" val="3892531254"/>
+        <p14:creationId xmlns:p14="http://schemas.microsoft.com/office/powerpoint/2010/main" val="2833641435"/>
       </p:ext>
     </p:extLst>
   </p:cSld>
@@ -20780,54 +22476,18 @@
           <a:lstStyle/>
           <a:p>
             <a:r>
-              <a:rPr lang="en-US" sz="2400" dirty="0" smtClean="0"/>
-              <a:t>Native ES modules</a:t>
-            </a:r>
-          </a:p>
-        </p:txBody>
-      </p:sp>
-      <p:sp>
-        <p:nvSpPr>
-          <p:cNvPr id="6" name="TextBox 5"/>
-          <p:cNvSpPr txBox="1"/>
-          <p:nvPr/>
-        </p:nvSpPr>
-        <p:spPr>
-          <a:xfrm>
-            <a:off x="5239512" y="5122389"/>
-            <a:ext cx="1870448" cy="307777"/>
-          </a:xfrm>
-          <a:prstGeom prst="rect">
-            <a:avLst/>
-          </a:prstGeom>
-          <a:noFill/>
-        </p:spPr>
-        <p:txBody>
-          <a:bodyPr wrap="none" rtlCol="0">
-            <a:spAutoFit/>
-          </a:bodyPr>
-          <a:lstStyle/>
-          <a:p>
-            <a:pPr algn="l"/>
-            <a:r>
-              <a:rPr lang="en-US" sz="1400" i="1" dirty="0" smtClean="0">
-                <a:solidFill>
-                  <a:schemeClr val="bg2"/>
-                </a:solidFill>
-              </a:rPr>
-              <a:t>Vishnu Sivan (dev.to)</a:t>
-            </a:r>
-            <a:endParaRPr lang="en-US" sz="1400" i="1" dirty="0" smtClean="0">
-              <a:solidFill>
-                <a:schemeClr val="bg2"/>
-              </a:solidFill>
-            </a:endParaRPr>
+              <a:rPr lang="en-US" sz="2000" dirty="0" smtClean="0"/>
+              <a:t>Bundles dependencies 10-100x faster than other JavaScript-based bundlers</a:t>
+            </a:r>
+          </a:p>
+          <a:p>
+            <a:endParaRPr lang="en-US" sz="2000" dirty="0" smtClean="0"/>
           </a:p>
         </p:txBody>
       </p:sp>
       <p:pic>
         <p:nvPicPr>
-          <p:cNvPr id="4" name="Picture 3"/>
+          <p:cNvPr id="5" name="Picture 4"/>
           <p:cNvPicPr>
             <a:picLocks noChangeAspect="1"/>
           </p:cNvPicPr>
@@ -20841,8 +22501,8 @@
         </p:blipFill>
         <p:spPr>
           <a:xfrm>
-            <a:off x="806679" y="2312720"/>
-            <a:ext cx="10736114" cy="2706652"/>
+            <a:off x="1607440" y="2845709"/>
+            <a:ext cx="8754531" cy="2223906"/>
           </a:xfrm>
           <a:prstGeom prst="rect">
             <a:avLst/>
@@ -20851,14 +22511,14 @@
       </p:pic>
       <p:sp>
         <p:nvSpPr>
-          <p:cNvPr id="8" name="TextBox 7"/>
+          <p:cNvPr id="6" name="TextBox 5"/>
           <p:cNvSpPr txBox="1"/>
           <p:nvPr/>
         </p:nvSpPr>
         <p:spPr>
           <a:xfrm>
-            <a:off x="1442639" y="1891880"/>
-            <a:ext cx="3796873" cy="369332"/>
+            <a:off x="5239512" y="5153794"/>
+            <a:ext cx="1870448" cy="307777"/>
           </a:xfrm>
           <a:prstGeom prst="rect">
             <a:avLst/>
@@ -20871,80 +22531,22 @@
           </a:bodyPr>
           <a:lstStyle/>
           <a:p>
-            <a:r>
-              <a:rPr lang="en-US" dirty="0" err="1" smtClean="0">
-                <a:solidFill>
-                  <a:schemeClr val="bg1"/>
+            <a:pPr algn="l"/>
+            <a:r>
+              <a:rPr lang="en-US" sz="1400" i="1" dirty="0" smtClean="0">
+                <a:solidFill>
+                  <a:schemeClr val="bg2"/>
                 </a:solidFill>
               </a:rPr>
-              <a:t>Webpack</a:t>
-            </a:r>
-            <a:r>
-              <a:rPr lang="en-US" dirty="0" smtClean="0">
-                <a:solidFill>
-                  <a:schemeClr val="bg1"/>
-                </a:solidFill>
-              </a:rPr>
-              <a:t> bundles the entire project</a:t>
-            </a:r>
-            <a:endParaRPr lang="en-US" dirty="0" smtClean="0">
-              <a:solidFill>
-                <a:schemeClr val="bg1"/>
-              </a:solidFill>
-            </a:endParaRPr>
-          </a:p>
-        </p:txBody>
-      </p:sp>
-      <p:sp>
-        <p:nvSpPr>
-          <p:cNvPr id="9" name="TextBox 8"/>
-          <p:cNvSpPr txBox="1"/>
-          <p:nvPr/>
-        </p:nvSpPr>
-        <p:spPr>
-          <a:xfrm>
-            <a:off x="7109960" y="1891880"/>
-            <a:ext cx="3463449" cy="369332"/>
-          </a:xfrm>
-          <a:prstGeom prst="rect">
-            <a:avLst/>
-          </a:prstGeom>
-          <a:noFill/>
-        </p:spPr>
-        <p:txBody>
-          <a:bodyPr wrap="none" rtlCol="0">
-            <a:spAutoFit/>
-          </a:bodyPr>
-          <a:lstStyle/>
-          <a:p>
-            <a:r>
-              <a:rPr lang="en-US" dirty="0" err="1" smtClean="0">
-                <a:solidFill>
-                  <a:schemeClr val="bg1"/>
-                </a:solidFill>
-              </a:rPr>
-              <a:t>Vite</a:t>
-            </a:r>
-            <a:r>
-              <a:rPr lang="en-US" dirty="0" smtClean="0">
-                <a:solidFill>
-                  <a:schemeClr val="bg1"/>
-                </a:solidFill>
-              </a:rPr>
-              <a:t> only bundles needed pages</a:t>
-            </a:r>
-            <a:endParaRPr lang="en-US" dirty="0" smtClean="0">
-              <a:solidFill>
-                <a:schemeClr val="bg1"/>
-              </a:solidFill>
-            </a:endParaRPr>
+              <a:t>Vishnu Sivan (dev.to)</a:t>
+            </a:r>
           </a:p>
         </p:txBody>
       </p:sp>
     </p:spTree>
     <p:extLst>
       <p:ext uri="{BB962C8B-B14F-4D97-AF65-F5344CB8AC3E}">
-        <p14:creationId xmlns:p14="http://schemas.microsoft.com/office/powerpoint/2010/main" val="1787857065"/>
+        <p14:creationId xmlns:p14="http://schemas.microsoft.com/office/powerpoint/2010/main" val="3892531254"/>
       </p:ext>
     </p:extLst>
   </p:cSld>

--- a/vite/slide/NT_Vitejs.pptx
+++ b/vite/slide/NT_Vitejs.pptx
@@ -20771,12 +20771,13 @@
           </a:bodyPr>
           <a:lstStyle/>
           <a:p>
-            <a:pPr marL="0" indent="0">
-              <a:buNone/>
-            </a:pPr>
-            <a:r>
-              <a:rPr lang="en-US" sz="2800" b="1" dirty="0" smtClean="0"/>
-              <a:t>Requirements:</a:t>
+            <a:r>
+              <a:rPr lang="en-US" sz="2400" dirty="0" smtClean="0"/>
+              <a:t>Requirements</a:t>
+            </a:r>
+            <a:r>
+              <a:rPr lang="en-US" sz="2800" dirty="0" smtClean="0"/>
+              <a:t>:</a:t>
             </a:r>
           </a:p>
           <a:p>
@@ -20810,11 +20811,8 @@
             <a:endParaRPr lang="en-US" sz="2800" b="1" dirty="0" smtClean="0"/>
           </a:p>
           <a:p>
-            <a:pPr marL="0" indent="0">
-              <a:buNone/>
-            </a:pPr>
-            <a:r>
-              <a:rPr lang="en-US" sz="2800" b="1" dirty="0" smtClean="0"/>
+            <a:r>
+              <a:rPr lang="en-US" sz="2400" dirty="0" smtClean="0"/>
               <a:t>Run the following command:</a:t>
             </a:r>
           </a:p>
@@ -20842,7 +20840,7 @@
         </p:blipFill>
         <p:spPr>
           <a:xfrm>
-            <a:off x="938783" y="3729923"/>
+            <a:off x="1167383" y="3526974"/>
             <a:ext cx="9373908" cy="952633"/>
           </a:xfrm>
           <a:prstGeom prst="rect">

--- a/vite/slide/NT_Vitejs.pptx
+++ b/vite/slide/NT_Vitejs.pptx
@@ -19741,6 +19741,13 @@
   <p:clrMapOvr>
     <a:masterClrMapping/>
   </p:clrMapOvr>
+  <p:timing>
+    <p:tnLst>
+      <p:par>
+        <p:cTn id="1" dur="indefinite" restart="never" nodeType="tmRoot"/>
+      </p:par>
+    </p:tnLst>
+  </p:timing>
 </p:sld>
 </file>
 
@@ -21462,8 +21469,8 @@
           </a:p>
           <a:p>
             <a:r>
-              <a:rPr lang="en-US" dirty="0" err="1" smtClean="0"/>
-              <a:t>Refereces</a:t>
+              <a:rPr lang="en-US" dirty="0" smtClean="0"/>
+              <a:t>References</a:t>
             </a:r>
             <a:endParaRPr lang="en-US" dirty="0"/>
           </a:p>
@@ -21479,6 +21486,13 @@
   <p:clrMapOvr>
     <a:masterClrMapping/>
   </p:clrMapOvr>
+  <p:timing>
+    <p:tnLst>
+      <p:par>
+        <p:cTn id="1" dur="indefinite" restart="never" nodeType="tmRoot"/>
+      </p:par>
+    </p:tnLst>
+  </p:timing>
 </p:sld>
 </file>
 
@@ -21735,6 +21749,13 @@
   <p:clrMapOvr>
     <a:masterClrMapping/>
   </p:clrMapOvr>
+  <p:timing>
+    <p:tnLst>
+      <p:par>
+        <p:cTn id="1" dur="indefinite" restart="never" nodeType="tmRoot"/>
+      </p:par>
+    </p:tnLst>
+  </p:timing>
 </p:sld>
 </file>
 
@@ -21851,6 +21872,13 @@
   <p:clrMapOvr>
     <a:masterClrMapping/>
   </p:clrMapOvr>
+  <p:timing>
+    <p:tnLst>
+      <p:par>
+        <p:cTn id="1" dur="indefinite" restart="never" nodeType="tmRoot"/>
+      </p:par>
+    </p:tnLst>
+  </p:timing>
 </p:sld>
 </file>
 

--- a/vite/slide/NT_Vitejs.pptx
+++ b/vite/slide/NT_Vitejs.pptx
@@ -264,7 +264,7 @@
           <a:p>
             <a:fld id="{341919A8-FDE9-4149-8ED6-0DC54AFFEC26}" type="datetimeFigureOut">
               <a:rPr lang="en-US" smtClean="0"/>
-              <a:t>4/6/2023</a:t>
+              <a:t>4/7/2023</a:t>
             </a:fld>
             <a:endParaRPr lang="en-US"/>
           </a:p>
@@ -434,7 +434,7 @@
           <a:p>
             <a:fld id="{341919A8-FDE9-4149-8ED6-0DC54AFFEC26}" type="datetimeFigureOut">
               <a:rPr lang="en-US" smtClean="0"/>
-              <a:t>4/6/2023</a:t>
+              <a:t>4/7/2023</a:t>
             </a:fld>
             <a:endParaRPr lang="en-US"/>
           </a:p>
@@ -614,7 +614,7 @@
           <a:p>
             <a:fld id="{341919A8-FDE9-4149-8ED6-0DC54AFFEC26}" type="datetimeFigureOut">
               <a:rPr lang="en-US" smtClean="0"/>
-              <a:t>4/6/2023</a:t>
+              <a:t>4/7/2023</a:t>
             </a:fld>
             <a:endParaRPr lang="en-US"/>
           </a:p>
@@ -3676,7 +3676,7 @@
           <a:p>
             <a:fld id="{341919A8-FDE9-4149-8ED6-0DC54AFFEC26}" type="datetimeFigureOut">
               <a:rPr lang="en-US" smtClean="0"/>
-              <a:t>4/6/2023</a:t>
+              <a:t>4/7/2023</a:t>
             </a:fld>
             <a:endParaRPr lang="en-US"/>
           </a:p>
@@ -6320,7 +6320,7 @@
           <a:p>
             <a:fld id="{341919A8-FDE9-4149-8ED6-0DC54AFFEC26}" type="datetimeFigureOut">
               <a:rPr lang="en-US" smtClean="0"/>
-              <a:t>4/6/2023</a:t>
+              <a:t>4/7/2023</a:t>
             </a:fld>
             <a:endParaRPr lang="en-US"/>
           </a:p>
@@ -12174,7 +12174,7 @@
           <a:p>
             <a:fld id="{341919A8-FDE9-4149-8ED6-0DC54AFFEC26}" type="datetimeFigureOut">
               <a:rPr lang="en-US" smtClean="0"/>
-              <a:t>4/6/2023</a:t>
+              <a:t>4/7/2023</a:t>
             </a:fld>
             <a:endParaRPr lang="en-US"/>
           </a:p>
@@ -17623,7 +17623,7 @@
           <a:p>
             <a:fld id="{341919A8-FDE9-4149-8ED6-0DC54AFFEC26}" type="datetimeFigureOut">
               <a:rPr lang="en-US" smtClean="0"/>
-              <a:t>4/6/2023</a:t>
+              <a:t>4/7/2023</a:t>
             </a:fld>
             <a:endParaRPr lang="en-US"/>
           </a:p>
@@ -17741,7 +17741,7 @@
           <a:p>
             <a:fld id="{341919A8-FDE9-4149-8ED6-0DC54AFFEC26}" type="datetimeFigureOut">
               <a:rPr lang="en-US" smtClean="0"/>
-              <a:t>4/6/2023</a:t>
+              <a:t>4/7/2023</a:t>
             </a:fld>
             <a:endParaRPr lang="en-US"/>
           </a:p>
@@ -17836,7 +17836,7 @@
           <a:p>
             <a:fld id="{341919A8-FDE9-4149-8ED6-0DC54AFFEC26}" type="datetimeFigureOut">
               <a:rPr lang="en-US" smtClean="0"/>
-              <a:t>4/6/2023</a:t>
+              <a:t>4/7/2023</a:t>
             </a:fld>
             <a:endParaRPr lang="en-US"/>
           </a:p>
@@ -18113,7 +18113,7 @@
           <a:p>
             <a:fld id="{341919A8-FDE9-4149-8ED6-0DC54AFFEC26}" type="datetimeFigureOut">
               <a:rPr lang="en-US" smtClean="0"/>
-              <a:t>4/6/2023</a:t>
+              <a:t>4/7/2023</a:t>
             </a:fld>
             <a:endParaRPr lang="en-US"/>
           </a:p>
@@ -18366,7 +18366,7 @@
           <a:p>
             <a:fld id="{341919A8-FDE9-4149-8ED6-0DC54AFFEC26}" type="datetimeFigureOut">
               <a:rPr lang="en-US" smtClean="0"/>
-              <a:t>4/6/2023</a:t>
+              <a:t>4/7/2023</a:t>
             </a:fld>
             <a:endParaRPr lang="en-US"/>
           </a:p>
@@ -18579,7 +18579,7 @@
           <a:p>
             <a:fld id="{341919A8-FDE9-4149-8ED6-0DC54AFFEC26}" type="datetimeFigureOut">
               <a:rPr lang="en-US" smtClean="0"/>
-              <a:t>4/6/2023</a:t>
+              <a:t>4/7/2023</a:t>
             </a:fld>
             <a:endParaRPr lang="en-US"/>
           </a:p>
@@ -20063,7 +20063,6 @@
               <a:rPr lang="en-US" sz="2400" dirty="0" smtClean="0"/>
               <a:t>Performance comparison</a:t>
             </a:r>
-            <a:endParaRPr lang="en-US" sz="2400" dirty="0" smtClean="0"/>
           </a:p>
         </p:txBody>
       </p:sp>
@@ -20097,11 +20096,6 @@
               </a:rPr>
               <a:t>Create React App (11.61s)</a:t>
             </a:r>
-            <a:endParaRPr lang="en-US" i="1" dirty="0" smtClean="0">
-              <a:solidFill>
-                <a:schemeClr val="bg1"/>
-              </a:solidFill>
-            </a:endParaRPr>
           </a:p>
         </p:txBody>
       </p:sp>
@@ -20143,11 +20137,6 @@
               </a:rPr>
               <a:t> (3.45s)</a:t>
             </a:r>
-            <a:endParaRPr lang="en-US" i="1" dirty="0" smtClean="0">
-              <a:solidFill>
-                <a:schemeClr val="bg1"/>
-              </a:solidFill>
-            </a:endParaRPr>
           </a:p>
         </p:txBody>
       </p:sp>
@@ -20439,7 +20428,6 @@
               <a:rPr lang="en-US" sz="2400" dirty="0"/>
               <a:t>, Svelte, Lit and Vanilla</a:t>
             </a:r>
-            <a:endParaRPr lang="en-US" sz="2400" dirty="0"/>
           </a:p>
         </p:txBody>
       </p:sp>
@@ -20751,7 +20739,6 @@
               <a:rPr lang="en-US" dirty="0"/>
               <a:t> project</a:t>
             </a:r>
-            <a:endParaRPr lang="en-US" dirty="0"/>
           </a:p>
         </p:txBody>
       </p:sp>
@@ -20925,7 +20912,6 @@
               <a:rPr lang="en-US" dirty="0"/>
               <a:t> project</a:t>
             </a:r>
-            <a:endParaRPr lang="en-US" dirty="0"/>
           </a:p>
         </p:txBody>
       </p:sp>
@@ -21095,7 +21081,6 @@
               <a:rPr lang="en-US" dirty="0"/>
               <a:t> project</a:t>
             </a:r>
-            <a:endParaRPr lang="en-US" dirty="0"/>
           </a:p>
         </p:txBody>
       </p:sp>
@@ -21134,7 +21119,6 @@
               <a:rPr lang="en-US" sz="2000" dirty="0" smtClean="0"/>
               <a:t>Compiler, a Rust-based bundler):</a:t>
             </a:r>
-            <a:endParaRPr lang="en-US" sz="2000" dirty="0" smtClean="0"/>
           </a:p>
           <a:p>
             <a:endParaRPr lang="en-US" sz="2400" dirty="0" smtClean="0"/>
@@ -21283,7 +21267,6 @@
               <a:rPr lang="en-US" dirty="0"/>
               <a:t> project</a:t>
             </a:r>
-            <a:endParaRPr lang="en-US" dirty="0"/>
           </a:p>
         </p:txBody>
       </p:sp>
@@ -22390,7 +22373,15 @@
             </a:r>
             <a:r>
               <a:rPr lang="en-US" sz="2400" dirty="0"/>
-              <a:t> 4.0: adds support for SWC, a Rust-based bundler that claims </a:t>
+              <a:t> </a:t>
+            </a:r>
+            <a:r>
+              <a:rPr lang="en-US" sz="2400" dirty="0" smtClean="0"/>
+              <a:t>4.0 adds </a:t>
+            </a:r>
+            <a:r>
+              <a:rPr lang="en-US" sz="2400" dirty="0"/>
+              <a:t>support for SWC, a Rust-based bundler that claims </a:t>
             </a:r>
             <a:r>
               <a:rPr lang="en-US" sz="2400" dirty="0" smtClean="0"/>
@@ -22398,8 +22389,13 @@
             </a:r>
             <a:r>
               <a:rPr lang="en-US" sz="2400" dirty="0"/>
-              <a:t>improvement over Babel</a:t>
-            </a:r>
+              <a:t>improvement over </a:t>
+            </a:r>
+            <a:r>
+              <a:rPr lang="en-US" sz="2400" dirty="0" smtClean="0"/>
+              <a:t>Babel</a:t>
+            </a:r>
+            <a:endParaRPr lang="en-US" sz="2400" dirty="0"/>
           </a:p>
           <a:p>
             <a:pPr marL="0" indent="0">

--- a/vite/slide/NT_Vitejs.pptx
+++ b/vite/slide/NT_Vitejs.pptx
@@ -264,7 +264,7 @@
           <a:p>
             <a:fld id="{341919A8-FDE9-4149-8ED6-0DC54AFFEC26}" type="datetimeFigureOut">
               <a:rPr lang="en-US" smtClean="0"/>
-              <a:t>4/7/2023</a:t>
+              <a:t>4/12/2023</a:t>
             </a:fld>
             <a:endParaRPr lang="en-US"/>
           </a:p>
@@ -434,7 +434,7 @@
           <a:p>
             <a:fld id="{341919A8-FDE9-4149-8ED6-0DC54AFFEC26}" type="datetimeFigureOut">
               <a:rPr lang="en-US" smtClean="0"/>
-              <a:t>4/7/2023</a:t>
+              <a:t>4/12/2023</a:t>
             </a:fld>
             <a:endParaRPr lang="en-US"/>
           </a:p>
@@ -614,7 +614,7 @@
           <a:p>
             <a:fld id="{341919A8-FDE9-4149-8ED6-0DC54AFFEC26}" type="datetimeFigureOut">
               <a:rPr lang="en-US" smtClean="0"/>
-              <a:t>4/7/2023</a:t>
+              <a:t>4/12/2023</a:t>
             </a:fld>
             <a:endParaRPr lang="en-US"/>
           </a:p>
@@ -3676,7 +3676,7 @@
           <a:p>
             <a:fld id="{341919A8-FDE9-4149-8ED6-0DC54AFFEC26}" type="datetimeFigureOut">
               <a:rPr lang="en-US" smtClean="0"/>
-              <a:t>4/7/2023</a:t>
+              <a:t>4/12/2023</a:t>
             </a:fld>
             <a:endParaRPr lang="en-US"/>
           </a:p>
@@ -6320,7 +6320,7 @@
           <a:p>
             <a:fld id="{341919A8-FDE9-4149-8ED6-0DC54AFFEC26}" type="datetimeFigureOut">
               <a:rPr lang="en-US" smtClean="0"/>
-              <a:t>4/7/2023</a:t>
+              <a:t>4/12/2023</a:t>
             </a:fld>
             <a:endParaRPr lang="en-US"/>
           </a:p>
@@ -12174,7 +12174,7 @@
           <a:p>
             <a:fld id="{341919A8-FDE9-4149-8ED6-0DC54AFFEC26}" type="datetimeFigureOut">
               <a:rPr lang="en-US" smtClean="0"/>
-              <a:t>4/7/2023</a:t>
+              <a:t>4/12/2023</a:t>
             </a:fld>
             <a:endParaRPr lang="en-US"/>
           </a:p>
@@ -17623,7 +17623,7 @@
           <a:p>
             <a:fld id="{341919A8-FDE9-4149-8ED6-0DC54AFFEC26}" type="datetimeFigureOut">
               <a:rPr lang="en-US" smtClean="0"/>
-              <a:t>4/7/2023</a:t>
+              <a:t>4/12/2023</a:t>
             </a:fld>
             <a:endParaRPr lang="en-US"/>
           </a:p>
@@ -17741,7 +17741,7 @@
           <a:p>
             <a:fld id="{341919A8-FDE9-4149-8ED6-0DC54AFFEC26}" type="datetimeFigureOut">
               <a:rPr lang="en-US" smtClean="0"/>
-              <a:t>4/7/2023</a:t>
+              <a:t>4/12/2023</a:t>
             </a:fld>
             <a:endParaRPr lang="en-US"/>
           </a:p>
@@ -17836,7 +17836,7 @@
           <a:p>
             <a:fld id="{341919A8-FDE9-4149-8ED6-0DC54AFFEC26}" type="datetimeFigureOut">
               <a:rPr lang="en-US" smtClean="0"/>
-              <a:t>4/7/2023</a:t>
+              <a:t>4/12/2023</a:t>
             </a:fld>
             <a:endParaRPr lang="en-US"/>
           </a:p>
@@ -18113,7 +18113,7 @@
           <a:p>
             <a:fld id="{341919A8-FDE9-4149-8ED6-0DC54AFFEC26}" type="datetimeFigureOut">
               <a:rPr lang="en-US" smtClean="0"/>
-              <a:t>4/7/2023</a:t>
+              <a:t>4/12/2023</a:t>
             </a:fld>
             <a:endParaRPr lang="en-US"/>
           </a:p>
@@ -18366,7 +18366,7 @@
           <a:p>
             <a:fld id="{341919A8-FDE9-4149-8ED6-0DC54AFFEC26}" type="datetimeFigureOut">
               <a:rPr lang="en-US" smtClean="0"/>
-              <a:t>4/7/2023</a:t>
+              <a:t>4/12/2023</a:t>
             </a:fld>
             <a:endParaRPr lang="en-US"/>
           </a:p>
@@ -18579,7 +18579,7 @@
           <a:p>
             <a:fld id="{341919A8-FDE9-4149-8ED6-0DC54AFFEC26}" type="datetimeFigureOut">
               <a:rPr lang="en-US" smtClean="0"/>
-              <a:t>4/7/2023</a:t>
+              <a:t>4/12/2023</a:t>
             </a:fld>
             <a:endParaRPr lang="en-US"/>
           </a:p>
@@ -20537,8 +20537,8 @@
           </a:p>
           <a:p>
             <a:r>
-              <a:rPr lang="en-US" sz="2400" dirty="0" smtClean="0"/>
-              <a:t>Using </a:t>
+              <a:rPr lang="en-US" sz="2400" smtClean="0"/>
+              <a:t>Uses </a:t>
             </a:r>
             <a:r>
               <a:rPr lang="en-US" sz="2400" dirty="0"/>
@@ -20561,6 +20561,12 @@
             <a:r>
               <a:rPr lang="en-US" sz="2400" dirty="0" smtClean="0"/>
               <a:t>Lack of Jest support</a:t>
+            </a:r>
+          </a:p>
+          <a:p>
+            <a:r>
+              <a:rPr lang="en-US" sz="2400" dirty="0" smtClean="0"/>
+              <a:t>No type checking</a:t>
             </a:r>
             <a:endParaRPr lang="en-US" sz="2400" dirty="0"/>
           </a:p>

--- a/vite/slide/NT_Vitejs.pptx
+++ b/vite/slide/NT_Vitejs.pptx
@@ -264,7 +264,7 @@
           <a:p>
             <a:fld id="{341919A8-FDE9-4149-8ED6-0DC54AFFEC26}" type="datetimeFigureOut">
               <a:rPr lang="en-US" smtClean="0"/>
-              <a:t>4/12/2023</a:t>
+              <a:t>4/7/2023</a:t>
             </a:fld>
             <a:endParaRPr lang="en-US"/>
           </a:p>
@@ -434,7 +434,7 @@
           <a:p>
             <a:fld id="{341919A8-FDE9-4149-8ED6-0DC54AFFEC26}" type="datetimeFigureOut">
               <a:rPr lang="en-US" smtClean="0"/>
-              <a:t>4/12/2023</a:t>
+              <a:t>4/7/2023</a:t>
             </a:fld>
             <a:endParaRPr lang="en-US"/>
           </a:p>
@@ -614,7 +614,7 @@
           <a:p>
             <a:fld id="{341919A8-FDE9-4149-8ED6-0DC54AFFEC26}" type="datetimeFigureOut">
               <a:rPr lang="en-US" smtClean="0"/>
-              <a:t>4/12/2023</a:t>
+              <a:t>4/7/2023</a:t>
             </a:fld>
             <a:endParaRPr lang="en-US"/>
           </a:p>
@@ -3676,7 +3676,7 @@
           <a:p>
             <a:fld id="{341919A8-FDE9-4149-8ED6-0DC54AFFEC26}" type="datetimeFigureOut">
               <a:rPr lang="en-US" smtClean="0"/>
-              <a:t>4/12/2023</a:t>
+              <a:t>4/7/2023</a:t>
             </a:fld>
             <a:endParaRPr lang="en-US"/>
           </a:p>
@@ -6320,7 +6320,7 @@
           <a:p>
             <a:fld id="{341919A8-FDE9-4149-8ED6-0DC54AFFEC26}" type="datetimeFigureOut">
               <a:rPr lang="en-US" smtClean="0"/>
-              <a:t>4/12/2023</a:t>
+              <a:t>4/7/2023</a:t>
             </a:fld>
             <a:endParaRPr lang="en-US"/>
           </a:p>
@@ -12174,7 +12174,7 @@
           <a:p>
             <a:fld id="{341919A8-FDE9-4149-8ED6-0DC54AFFEC26}" type="datetimeFigureOut">
               <a:rPr lang="en-US" smtClean="0"/>
-              <a:t>4/12/2023</a:t>
+              <a:t>4/7/2023</a:t>
             </a:fld>
             <a:endParaRPr lang="en-US"/>
           </a:p>
@@ -17623,7 +17623,7 @@
           <a:p>
             <a:fld id="{341919A8-FDE9-4149-8ED6-0DC54AFFEC26}" type="datetimeFigureOut">
               <a:rPr lang="en-US" smtClean="0"/>
-              <a:t>4/12/2023</a:t>
+              <a:t>4/7/2023</a:t>
             </a:fld>
             <a:endParaRPr lang="en-US"/>
           </a:p>
@@ -17741,7 +17741,7 @@
           <a:p>
             <a:fld id="{341919A8-FDE9-4149-8ED6-0DC54AFFEC26}" type="datetimeFigureOut">
               <a:rPr lang="en-US" smtClean="0"/>
-              <a:t>4/12/2023</a:t>
+              <a:t>4/7/2023</a:t>
             </a:fld>
             <a:endParaRPr lang="en-US"/>
           </a:p>
@@ -17836,7 +17836,7 @@
           <a:p>
             <a:fld id="{341919A8-FDE9-4149-8ED6-0DC54AFFEC26}" type="datetimeFigureOut">
               <a:rPr lang="en-US" smtClean="0"/>
-              <a:t>4/12/2023</a:t>
+              <a:t>4/7/2023</a:t>
             </a:fld>
             <a:endParaRPr lang="en-US"/>
           </a:p>
@@ -18113,7 +18113,7 @@
           <a:p>
             <a:fld id="{341919A8-FDE9-4149-8ED6-0DC54AFFEC26}" type="datetimeFigureOut">
               <a:rPr lang="en-US" smtClean="0"/>
-              <a:t>4/12/2023</a:t>
+              <a:t>4/7/2023</a:t>
             </a:fld>
             <a:endParaRPr lang="en-US"/>
           </a:p>
@@ -18366,7 +18366,7 @@
           <a:p>
             <a:fld id="{341919A8-FDE9-4149-8ED6-0DC54AFFEC26}" type="datetimeFigureOut">
               <a:rPr lang="en-US" smtClean="0"/>
-              <a:t>4/12/2023</a:t>
+              <a:t>4/7/2023</a:t>
             </a:fld>
             <a:endParaRPr lang="en-US"/>
           </a:p>
@@ -18579,7 +18579,7 @@
           <a:p>
             <a:fld id="{341919A8-FDE9-4149-8ED6-0DC54AFFEC26}" type="datetimeFigureOut">
               <a:rPr lang="en-US" smtClean="0"/>
-              <a:t>4/12/2023</a:t>
+              <a:t>4/7/2023</a:t>
             </a:fld>
             <a:endParaRPr lang="en-US"/>
           </a:p>
@@ -20537,8 +20537,8 @@
           </a:p>
           <a:p>
             <a:r>
-              <a:rPr lang="en-US" sz="2400" smtClean="0"/>
-              <a:t>Uses </a:t>
+              <a:rPr lang="en-US" sz="2400" dirty="0" smtClean="0"/>
+              <a:t>Using </a:t>
             </a:r>
             <a:r>
               <a:rPr lang="en-US" sz="2400" dirty="0"/>
@@ -20561,12 +20561,6 @@
             <a:r>
               <a:rPr lang="en-US" sz="2400" dirty="0" smtClean="0"/>
               <a:t>Lack of Jest support</a:t>
-            </a:r>
-          </a:p>
-          <a:p>
-            <a:r>
-              <a:rPr lang="en-US" sz="2400" dirty="0" smtClean="0"/>
-              <a:t>No type checking</a:t>
             </a:r>
             <a:endParaRPr lang="en-US" sz="2400" dirty="0"/>
           </a:p>

--- a/vite/slide/NT_Vitejs.pptx
+++ b/vite/slide/NT_Vitejs.pptx
@@ -14,19 +14,23 @@
     <p:sldId id="261" r:id="rId8"/>
     <p:sldId id="262" r:id="rId9"/>
     <p:sldId id="276" r:id="rId10"/>
-    <p:sldId id="263" r:id="rId11"/>
-    <p:sldId id="264" r:id="rId12"/>
-    <p:sldId id="268" r:id="rId13"/>
-    <p:sldId id="265" r:id="rId14"/>
-    <p:sldId id="266" r:id="rId15"/>
-    <p:sldId id="267" r:id="rId16"/>
-    <p:sldId id="270" r:id="rId17"/>
-    <p:sldId id="271" r:id="rId18"/>
-    <p:sldId id="272" r:id="rId19"/>
-    <p:sldId id="273" r:id="rId20"/>
-    <p:sldId id="274" r:id="rId21"/>
-    <p:sldId id="275" r:id="rId22"/>
-    <p:sldId id="269" r:id="rId23"/>
+    <p:sldId id="277" r:id="rId11"/>
+    <p:sldId id="278" r:id="rId12"/>
+    <p:sldId id="279" r:id="rId13"/>
+    <p:sldId id="263" r:id="rId14"/>
+    <p:sldId id="264" r:id="rId15"/>
+    <p:sldId id="268" r:id="rId16"/>
+    <p:sldId id="265" r:id="rId17"/>
+    <p:sldId id="266" r:id="rId18"/>
+    <p:sldId id="267" r:id="rId19"/>
+    <p:sldId id="280" r:id="rId20"/>
+    <p:sldId id="270" r:id="rId21"/>
+    <p:sldId id="271" r:id="rId22"/>
+    <p:sldId id="272" r:id="rId23"/>
+    <p:sldId id="273" r:id="rId24"/>
+    <p:sldId id="274" r:id="rId25"/>
+    <p:sldId id="275" r:id="rId26"/>
+    <p:sldId id="269" r:id="rId27"/>
   </p:sldIdLst>
   <p:sldSz cx="12192000" cy="6858000"/>
   <p:notesSz cx="6858000" cy="9144000"/>
@@ -264,7 +268,7 @@
           <a:p>
             <a:fld id="{341919A8-FDE9-4149-8ED6-0DC54AFFEC26}" type="datetimeFigureOut">
               <a:rPr lang="en-US" smtClean="0"/>
-              <a:t>4/7/2023</a:t>
+              <a:t>4/20/2023</a:t>
             </a:fld>
             <a:endParaRPr lang="en-US"/>
           </a:p>
@@ -434,7 +438,7 @@
           <a:p>
             <a:fld id="{341919A8-FDE9-4149-8ED6-0DC54AFFEC26}" type="datetimeFigureOut">
               <a:rPr lang="en-US" smtClean="0"/>
-              <a:t>4/7/2023</a:t>
+              <a:t>4/20/2023</a:t>
             </a:fld>
             <a:endParaRPr lang="en-US"/>
           </a:p>
@@ -614,7 +618,7 @@
           <a:p>
             <a:fld id="{341919A8-FDE9-4149-8ED6-0DC54AFFEC26}" type="datetimeFigureOut">
               <a:rPr lang="en-US" smtClean="0"/>
-              <a:t>4/7/2023</a:t>
+              <a:t>4/20/2023</a:t>
             </a:fld>
             <a:endParaRPr lang="en-US"/>
           </a:p>
@@ -3676,7 +3680,7 @@
           <a:p>
             <a:fld id="{341919A8-FDE9-4149-8ED6-0DC54AFFEC26}" type="datetimeFigureOut">
               <a:rPr lang="en-US" smtClean="0"/>
-              <a:t>4/7/2023</a:t>
+              <a:t>4/20/2023</a:t>
             </a:fld>
             <a:endParaRPr lang="en-US"/>
           </a:p>
@@ -6320,7 +6324,7 @@
           <a:p>
             <a:fld id="{341919A8-FDE9-4149-8ED6-0DC54AFFEC26}" type="datetimeFigureOut">
               <a:rPr lang="en-US" smtClean="0"/>
-              <a:t>4/7/2023</a:t>
+              <a:t>4/20/2023</a:t>
             </a:fld>
             <a:endParaRPr lang="en-US"/>
           </a:p>
@@ -12174,7 +12178,7 @@
           <a:p>
             <a:fld id="{341919A8-FDE9-4149-8ED6-0DC54AFFEC26}" type="datetimeFigureOut">
               <a:rPr lang="en-US" smtClean="0"/>
-              <a:t>4/7/2023</a:t>
+              <a:t>4/20/2023</a:t>
             </a:fld>
             <a:endParaRPr lang="en-US"/>
           </a:p>
@@ -17623,7 +17627,7 @@
           <a:p>
             <a:fld id="{341919A8-FDE9-4149-8ED6-0DC54AFFEC26}" type="datetimeFigureOut">
               <a:rPr lang="en-US" smtClean="0"/>
-              <a:t>4/7/2023</a:t>
+              <a:t>4/20/2023</a:t>
             </a:fld>
             <a:endParaRPr lang="en-US"/>
           </a:p>
@@ -17741,7 +17745,7 @@
           <a:p>
             <a:fld id="{341919A8-FDE9-4149-8ED6-0DC54AFFEC26}" type="datetimeFigureOut">
               <a:rPr lang="en-US" smtClean="0"/>
-              <a:t>4/7/2023</a:t>
+              <a:t>4/20/2023</a:t>
             </a:fld>
             <a:endParaRPr lang="en-US"/>
           </a:p>
@@ -17836,7 +17840,7 @@
           <a:p>
             <a:fld id="{341919A8-FDE9-4149-8ED6-0DC54AFFEC26}" type="datetimeFigureOut">
               <a:rPr lang="en-US" smtClean="0"/>
-              <a:t>4/7/2023</a:t>
+              <a:t>4/20/2023</a:t>
             </a:fld>
             <a:endParaRPr lang="en-US"/>
           </a:p>
@@ -18113,7 +18117,7 @@
           <a:p>
             <a:fld id="{341919A8-FDE9-4149-8ED6-0DC54AFFEC26}" type="datetimeFigureOut">
               <a:rPr lang="en-US" smtClean="0"/>
-              <a:t>4/7/2023</a:t>
+              <a:t>4/20/2023</a:t>
             </a:fld>
             <a:endParaRPr lang="en-US"/>
           </a:p>
@@ -18366,7 +18370,7 @@
           <a:p>
             <a:fld id="{341919A8-FDE9-4149-8ED6-0DC54AFFEC26}" type="datetimeFigureOut">
               <a:rPr lang="en-US" smtClean="0"/>
-              <a:t>4/7/2023</a:t>
+              <a:t>4/20/2023</a:t>
             </a:fld>
             <a:endParaRPr lang="en-US"/>
           </a:p>
@@ -18579,7 +18583,7 @@
           <a:p>
             <a:fld id="{341919A8-FDE9-4149-8ED6-0DC54AFFEC26}" type="datetimeFigureOut">
               <a:rPr lang="en-US" smtClean="0"/>
-              <a:t>4/7/2023</a:t>
+              <a:t>4/20/2023</a:t>
             </a:fld>
             <a:endParaRPr lang="en-US"/>
           </a:p>
@@ -19820,157 +19824,31 @@
           </a:bodyPr>
           <a:lstStyle/>
           <a:p>
-            <a:r>
-              <a:rPr lang="en-US" sz="2400" dirty="0" smtClean="0"/>
-              <a:t>Native ES modules</a:t>
-            </a:r>
-          </a:p>
-        </p:txBody>
-      </p:sp>
-      <p:sp>
-        <p:nvSpPr>
-          <p:cNvPr id="6" name="TextBox 5"/>
-          <p:cNvSpPr txBox="1"/>
-          <p:nvPr/>
-        </p:nvSpPr>
-        <p:spPr>
-          <a:xfrm>
-            <a:off x="5239512" y="5122389"/>
-            <a:ext cx="1870448" cy="307777"/>
-          </a:xfrm>
-          <a:prstGeom prst="rect">
-            <a:avLst/>
-          </a:prstGeom>
-          <a:noFill/>
-        </p:spPr>
-        <p:txBody>
-          <a:bodyPr wrap="none" rtlCol="0">
-            <a:spAutoFit/>
-          </a:bodyPr>
-          <a:lstStyle/>
-          <a:p>
-            <a:pPr algn="l"/>
-            <a:r>
-              <a:rPr lang="en-US" sz="1400" i="1" dirty="0" smtClean="0">
-                <a:solidFill>
-                  <a:schemeClr val="bg2"/>
-                </a:solidFill>
-              </a:rPr>
-              <a:t>Vishnu Sivan (dev.to)</a:t>
-            </a:r>
-          </a:p>
-        </p:txBody>
-      </p:sp>
-      <p:pic>
-        <p:nvPicPr>
-          <p:cNvPr id="4" name="Picture 3"/>
-          <p:cNvPicPr>
-            <a:picLocks noChangeAspect="1"/>
-          </p:cNvPicPr>
-          <p:nvPr/>
-        </p:nvPicPr>
-        <p:blipFill>
-          <a:blip r:embed="rId2"/>
-          <a:stretch>
-            <a:fillRect/>
-          </a:stretch>
-        </p:blipFill>
-        <p:spPr>
-          <a:xfrm>
-            <a:off x="806679" y="2312720"/>
-            <a:ext cx="10736114" cy="2706652"/>
-          </a:xfrm>
-          <a:prstGeom prst="rect">
-            <a:avLst/>
-          </a:prstGeom>
-        </p:spPr>
-      </p:pic>
-      <p:sp>
-        <p:nvSpPr>
-          <p:cNvPr id="8" name="TextBox 7"/>
-          <p:cNvSpPr txBox="1"/>
-          <p:nvPr/>
-        </p:nvSpPr>
-        <p:spPr>
-          <a:xfrm>
-            <a:off x="1442639" y="1891880"/>
-            <a:ext cx="3796873" cy="369332"/>
-          </a:xfrm>
-          <a:prstGeom prst="rect">
-            <a:avLst/>
-          </a:prstGeom>
-          <a:noFill/>
-        </p:spPr>
-        <p:txBody>
-          <a:bodyPr wrap="none" rtlCol="0">
-            <a:spAutoFit/>
-          </a:bodyPr>
-          <a:lstStyle/>
-          <a:p>
-            <a:r>
-              <a:rPr lang="en-US" dirty="0" err="1" smtClean="0">
-                <a:solidFill>
-                  <a:schemeClr val="bg1"/>
-                </a:solidFill>
-              </a:rPr>
-              <a:t>Webpack</a:t>
-            </a:r>
-            <a:r>
-              <a:rPr lang="en-US" dirty="0" smtClean="0">
-                <a:solidFill>
-                  <a:schemeClr val="bg1"/>
-                </a:solidFill>
-              </a:rPr>
-              <a:t> bundles the entire project</a:t>
-            </a:r>
-          </a:p>
-        </p:txBody>
-      </p:sp>
-      <p:sp>
-        <p:nvSpPr>
-          <p:cNvPr id="9" name="TextBox 8"/>
-          <p:cNvSpPr txBox="1"/>
-          <p:nvPr/>
-        </p:nvSpPr>
-        <p:spPr>
-          <a:xfrm>
-            <a:off x="7109960" y="1891880"/>
-            <a:ext cx="3463449" cy="369332"/>
-          </a:xfrm>
-          <a:prstGeom prst="rect">
-            <a:avLst/>
-          </a:prstGeom>
-          <a:noFill/>
-        </p:spPr>
-        <p:txBody>
-          <a:bodyPr wrap="none" rtlCol="0">
-            <a:spAutoFit/>
-          </a:bodyPr>
-          <a:lstStyle/>
-          <a:p>
-            <a:r>
-              <a:rPr lang="en-US" dirty="0" err="1" smtClean="0">
-                <a:solidFill>
-                  <a:schemeClr val="bg1"/>
-                </a:solidFill>
-              </a:rPr>
+            <a:pPr marL="0" indent="0">
+              <a:buNone/>
+            </a:pPr>
+            <a:r>
+              <a:rPr lang="en-US" sz="2400" b="1" dirty="0" smtClean="0"/>
+              <a:t>Source code:</a:t>
+            </a:r>
+          </a:p>
+          <a:p>
+            <a:r>
+              <a:rPr lang="en-US" sz="2400" dirty="0" err="1"/>
               <a:t>Vite</a:t>
             </a:r>
             <a:r>
-              <a:rPr lang="en-US" dirty="0" smtClean="0">
-                <a:solidFill>
-                  <a:schemeClr val="bg1"/>
-                </a:solidFill>
-              </a:rPr>
-              <a:t> only bundles needed pages</a:t>
-            </a:r>
+              <a:rPr lang="en-US" sz="2400" dirty="0"/>
+              <a:t> will only convert source code and serve it using native ESMs upon browser request.</a:t>
+            </a:r>
+            <a:endParaRPr lang="en-US" sz="2400" dirty="0" smtClean="0"/>
           </a:p>
         </p:txBody>
       </p:sp>
     </p:spTree>
     <p:extLst>
       <p:ext uri="{BB962C8B-B14F-4D97-AF65-F5344CB8AC3E}">
-        <p14:creationId xmlns:p14="http://schemas.microsoft.com/office/powerpoint/2010/main" val="1787857065"/>
+        <p14:creationId xmlns:p14="http://schemas.microsoft.com/office/powerpoint/2010/main" val="4156808148"/>
       </p:ext>
     </p:extLst>
   </p:cSld>
@@ -20060,138 +19938,27 @@
               <a:buNone/>
             </a:pPr>
             <a:r>
+              <a:rPr lang="en-US" sz="2400" b="1" dirty="0" smtClean="0"/>
+              <a:t>Hot Module Replacement (HMR):</a:t>
+            </a:r>
+          </a:p>
+          <a:p>
+            <a:r>
               <a:rPr lang="en-US" sz="2400" dirty="0" smtClean="0"/>
-              <a:t>Performance comparison</a:t>
-            </a:r>
-          </a:p>
-        </p:txBody>
-      </p:sp>
-      <p:sp>
-        <p:nvSpPr>
-          <p:cNvPr id="8" name="TextBox 7"/>
-          <p:cNvSpPr txBox="1"/>
-          <p:nvPr/>
-        </p:nvSpPr>
-        <p:spPr>
-          <a:xfrm>
-            <a:off x="1713054" y="1930565"/>
-            <a:ext cx="2899127" cy="369332"/>
-          </a:xfrm>
-          <a:prstGeom prst="rect">
-            <a:avLst/>
-          </a:prstGeom>
-          <a:noFill/>
-        </p:spPr>
-        <p:txBody>
-          <a:bodyPr wrap="none" rtlCol="0">
-            <a:spAutoFit/>
-          </a:bodyPr>
-          <a:lstStyle/>
-          <a:p>
-            <a:r>
-              <a:rPr lang="en-US" i="1" dirty="0" smtClean="0">
-                <a:solidFill>
-                  <a:schemeClr val="bg1"/>
-                </a:solidFill>
-              </a:rPr>
-              <a:t>Create React App (11.61s)</a:t>
-            </a:r>
-          </a:p>
-        </p:txBody>
-      </p:sp>
-      <p:sp>
-        <p:nvSpPr>
-          <p:cNvPr id="9" name="TextBox 8"/>
-          <p:cNvSpPr txBox="1"/>
-          <p:nvPr/>
-        </p:nvSpPr>
-        <p:spPr>
-          <a:xfrm>
-            <a:off x="8144764" y="1930565"/>
-            <a:ext cx="1360309" cy="369332"/>
-          </a:xfrm>
-          <a:prstGeom prst="rect">
-            <a:avLst/>
-          </a:prstGeom>
-          <a:noFill/>
-        </p:spPr>
-        <p:txBody>
-          <a:bodyPr wrap="none" rtlCol="0">
-            <a:spAutoFit/>
-          </a:bodyPr>
-          <a:lstStyle/>
-          <a:p>
-            <a:r>
-              <a:rPr lang="en-US" i="1" dirty="0" err="1" smtClean="0">
-                <a:solidFill>
-                  <a:schemeClr val="bg1"/>
-                </a:solidFill>
-              </a:rPr>
-              <a:t>Vite</a:t>
-            </a:r>
-            <a:r>
-              <a:rPr lang="en-US" i="1" dirty="0" smtClean="0">
-                <a:solidFill>
-                  <a:schemeClr val="bg1"/>
-                </a:solidFill>
-              </a:rPr>
-              <a:t> (3.45s)</a:t>
-            </a:r>
-          </a:p>
-        </p:txBody>
-      </p:sp>
-      <p:pic>
-        <p:nvPicPr>
-          <p:cNvPr id="5" name="Picture 4"/>
-          <p:cNvPicPr>
-            <a:picLocks noChangeAspect="1"/>
-          </p:cNvPicPr>
-          <p:nvPr/>
-        </p:nvPicPr>
-        <p:blipFill>
-          <a:blip r:embed="rId2"/>
-          <a:stretch>
-            <a:fillRect/>
-          </a:stretch>
-        </p:blipFill>
-        <p:spPr>
-          <a:xfrm>
-            <a:off x="6518624" y="2434319"/>
-            <a:ext cx="4612590" cy="1815767"/>
-          </a:xfrm>
-          <a:prstGeom prst="rect">
-            <a:avLst/>
-          </a:prstGeom>
-        </p:spPr>
-      </p:pic>
-      <p:pic>
-        <p:nvPicPr>
-          <p:cNvPr id="7" name="Picture 6"/>
-          <p:cNvPicPr>
-            <a:picLocks noChangeAspect="1"/>
-          </p:cNvPicPr>
-          <p:nvPr/>
-        </p:nvPicPr>
-        <p:blipFill>
-          <a:blip r:embed="rId3"/>
-          <a:stretch>
-            <a:fillRect/>
-          </a:stretch>
-        </p:blipFill>
-        <p:spPr>
-          <a:xfrm>
-            <a:off x="838199" y="2434319"/>
-            <a:ext cx="4648838" cy="3675488"/>
-          </a:xfrm>
-          <a:prstGeom prst="rect">
-            <a:avLst/>
-          </a:prstGeom>
-        </p:spPr>
-      </p:pic>
+              <a:t>Replacing </a:t>
+            </a:r>
+            <a:r>
+              <a:rPr lang="en-US" sz="2400" dirty="0"/>
+              <a:t>only the modules that have changed, rather than reloading the entire application</a:t>
+            </a:r>
+            <a:endParaRPr lang="en-US" sz="2400" dirty="0" smtClean="0"/>
+          </a:p>
+        </p:txBody>
+      </p:sp>
     </p:spTree>
     <p:extLst>
       <p:ext uri="{BB962C8B-B14F-4D97-AF65-F5344CB8AC3E}">
-        <p14:creationId xmlns:p14="http://schemas.microsoft.com/office/powerpoint/2010/main" val="508841800"/>
+        <p14:creationId xmlns:p14="http://schemas.microsoft.com/office/powerpoint/2010/main" val="1978075424"/>
       </p:ext>
     </p:extLst>
   </p:cSld>
@@ -20227,18 +19994,18 @@
       </p:grpSpPr>
       <p:sp>
         <p:nvSpPr>
-          <p:cNvPr id="2" name="Text Placeholder 1">
-            <a:extLst>
-              <a:ext uri="{FF2B5EF4-FFF2-40B4-BE49-F238E27FC236}">
-                <a16:creationId xmlns:a16="http://schemas.microsoft.com/office/drawing/2014/main" id="{4483D1C0-AEBE-43F2-AF2A-23F080C327DF}"/>
-              </a:ext>
-            </a:extLst>
-          </p:cNvPr>
-          <p:cNvSpPr>
-            <a:spLocks noGrp="1"/>
-          </p:cNvSpPr>
-          <p:nvPr>
-            <p:ph type="body" sz="quarter" idx="15"/>
+          <p:cNvPr id="2" name="Title 1">
+            <a:extLst>
+              <a:ext uri="{FF2B5EF4-FFF2-40B4-BE49-F238E27FC236}">
+                <a16:creationId xmlns:a16="http://schemas.microsoft.com/office/drawing/2014/main" id="{28D09562-4D8D-434E-AE6A-6CF89E6B1BBF}"/>
+              </a:ext>
+            </a:extLst>
+          </p:cNvPr>
+          <p:cNvSpPr>
+            <a:spLocks noGrp="1"/>
+          </p:cNvSpPr>
+          <p:nvPr>
+            <p:ph type="title"/>
           </p:nvPr>
         </p:nvSpPr>
         <p:spPr/>
@@ -20246,21 +20013,9 @@
           <a:bodyPr/>
           <a:lstStyle/>
           <a:p>
-            <a:pPr lvl="0"/>
             <a:r>
               <a:rPr lang="en-US" dirty="0" smtClean="0"/>
-              <a:t>Advantages &amp;</a:t>
-            </a:r>
-          </a:p>
-          <a:p>
-            <a:pPr lvl="0"/>
-            <a:r>
-              <a:rPr lang="en-US" dirty="0"/>
-              <a:t>	</a:t>
-            </a:r>
-            <a:r>
-              <a:rPr lang="en-US" dirty="0" smtClean="0"/>
-              <a:t>Disadvantages</a:t>
+              <a:t>Vite.js</a:t>
             </a:r>
             <a:endParaRPr lang="en-US" dirty="0"/>
           </a:p>
@@ -20271,40 +20026,109 @@
           <p:cNvPr id="3" name="Text Placeholder 2">
             <a:extLst>
               <a:ext uri="{FF2B5EF4-FFF2-40B4-BE49-F238E27FC236}">
-                <a16:creationId xmlns:a16="http://schemas.microsoft.com/office/drawing/2014/main" id="{9BBB8D4B-E800-4849-82AC-CE4520B69691}"/>
-              </a:ext>
-            </a:extLst>
-          </p:cNvPr>
-          <p:cNvSpPr>
-            <a:spLocks noGrp="1"/>
-          </p:cNvSpPr>
-          <p:nvPr>
-            <p:ph type="body" sz="quarter" idx="16"/>
+                <a16:creationId xmlns:a16="http://schemas.microsoft.com/office/drawing/2014/main" id="{980004BA-4F47-4C5C-B300-EF35A2F015DB}"/>
+              </a:ext>
+            </a:extLst>
+          </p:cNvPr>
+          <p:cNvSpPr>
+            <a:spLocks noGrp="1"/>
+          </p:cNvSpPr>
+          <p:nvPr>
+            <p:ph type="body" sz="quarter" idx="11"/>
           </p:nvPr>
         </p:nvSpPr>
         <p:spPr/>
         <p:txBody>
-          <a:bodyPr/>
+          <a:bodyPr>
+            <a:normAutofit/>
+          </a:bodyPr>
           <a:lstStyle/>
           <a:p>
             <a:r>
-              <a:rPr lang="en-US" dirty="0" smtClean="0"/>
-              <a:t>03</a:t>
-            </a:r>
-            <a:endParaRPr lang="en-US" dirty="0"/>
+              <a:rPr lang="en-US" sz="2000" dirty="0" smtClean="0"/>
+              <a:t>Bundles dependencies 10-100x faster than other JavaScript-based bundlers</a:t>
+            </a:r>
+          </a:p>
+          <a:p>
+            <a:endParaRPr lang="en-US" sz="2000" dirty="0" smtClean="0"/>
+          </a:p>
+        </p:txBody>
+      </p:sp>
+      <p:pic>
+        <p:nvPicPr>
+          <p:cNvPr id="5" name="Picture 4"/>
+          <p:cNvPicPr>
+            <a:picLocks noChangeAspect="1"/>
+          </p:cNvPicPr>
+          <p:nvPr/>
+        </p:nvPicPr>
+        <p:blipFill>
+          <a:blip r:embed="rId2"/>
+          <a:stretch>
+            <a:fillRect/>
+          </a:stretch>
+        </p:blipFill>
+        <p:spPr>
+          <a:xfrm>
+            <a:off x="1607440" y="2845709"/>
+            <a:ext cx="8754531" cy="2223906"/>
+          </a:xfrm>
+          <a:prstGeom prst="rect">
+            <a:avLst/>
+          </a:prstGeom>
+        </p:spPr>
+      </p:pic>
+      <p:sp>
+        <p:nvSpPr>
+          <p:cNvPr id="6" name="TextBox 5"/>
+          <p:cNvSpPr txBox="1"/>
+          <p:nvPr/>
+        </p:nvSpPr>
+        <p:spPr>
+          <a:xfrm>
+            <a:off x="5239512" y="5153794"/>
+            <a:ext cx="1870448" cy="307777"/>
+          </a:xfrm>
+          <a:prstGeom prst="rect">
+            <a:avLst/>
+          </a:prstGeom>
+          <a:noFill/>
+        </p:spPr>
+        <p:txBody>
+          <a:bodyPr wrap="none" rtlCol="0">
+            <a:spAutoFit/>
+          </a:bodyPr>
+          <a:lstStyle/>
+          <a:p>
+            <a:pPr algn="l"/>
+            <a:r>
+              <a:rPr lang="en-US" sz="1400" i="1" dirty="0" smtClean="0">
+                <a:solidFill>
+                  <a:schemeClr val="bg2"/>
+                </a:solidFill>
+              </a:rPr>
+              <a:t>Vishnu Sivan (dev.to)</a:t>
+            </a:r>
           </a:p>
         </p:txBody>
       </p:sp>
     </p:spTree>
     <p:extLst>
       <p:ext uri="{BB962C8B-B14F-4D97-AF65-F5344CB8AC3E}">
-        <p14:creationId xmlns:p14="http://schemas.microsoft.com/office/powerpoint/2010/main" val="2574647178"/>
+        <p14:creationId xmlns:p14="http://schemas.microsoft.com/office/powerpoint/2010/main" val="3892531254"/>
       </p:ext>
     </p:extLst>
   </p:cSld>
   <p:clrMapOvr>
     <a:masterClrMapping/>
   </p:clrMapOvr>
+  <p:timing>
+    <p:tnLst>
+      <p:par>
+        <p:cTn id="1" dur="indefinite" restart="never" nodeType="tmRoot"/>
+      </p:par>
+    </p:tnLst>
+  </p:timing>
 </p:sld>
 </file>
 
@@ -20348,7 +20172,7 @@
           <a:p>
             <a:r>
               <a:rPr lang="en-US" dirty="0" smtClean="0"/>
-              <a:t>Advantages</a:t>
+              <a:t>Vite.js</a:t>
             </a:r>
             <a:endParaRPr lang="en-US" dirty="0"/>
           </a:p>
@@ -20379,54 +20203,147 @@
           <a:p>
             <a:r>
               <a:rPr lang="en-US" sz="2400" dirty="0" smtClean="0"/>
-              <a:t>Provides </a:t>
-            </a:r>
-            <a:r>
-              <a:rPr lang="en-US" sz="2400" dirty="0"/>
-              <a:t>lightning-fast </a:t>
-            </a:r>
-            <a:r>
-              <a:rPr lang="en-US" sz="2400" dirty="0" smtClean="0"/>
-              <a:t>start-ups</a:t>
-            </a:r>
-          </a:p>
-          <a:p>
-            <a:r>
-              <a:rPr lang="en-US" sz="2400" dirty="0"/>
-              <a:t>Sass, Less and </a:t>
-            </a:r>
-            <a:r>
-              <a:rPr lang="en-US" sz="2400" dirty="0" smtClean="0"/>
-              <a:t>Stylus support</a:t>
-            </a:r>
-          </a:p>
-          <a:p>
-            <a:r>
-              <a:rPr lang="en-US" sz="2400" dirty="0" smtClean="0"/>
-              <a:t>Multi-page </a:t>
-            </a:r>
-            <a:r>
-              <a:rPr lang="en-US" sz="2400" dirty="0"/>
-              <a:t>support</a:t>
-            </a:r>
-            <a:endParaRPr lang="en-US" sz="2400" dirty="0" smtClean="0"/>
-          </a:p>
-          <a:p>
-            <a:r>
-              <a:rPr lang="en-US" sz="2400" dirty="0" smtClean="0"/>
-              <a:t>Offers </a:t>
-            </a:r>
-            <a:r>
-              <a:rPr lang="en-US" sz="2400" dirty="0"/>
-              <a:t>templates for React, </a:t>
-            </a:r>
-            <a:r>
-              <a:rPr lang="en-US" sz="2400" dirty="0" err="1"/>
-              <a:t>Vue</a:t>
-            </a:r>
-            <a:r>
-              <a:rPr lang="en-US" sz="2400" dirty="0"/>
-              <a:t>, Svelte, Lit and Vanilla</a:t>
+              <a:t>Native ES modules</a:t>
+            </a:r>
+          </a:p>
+        </p:txBody>
+      </p:sp>
+      <p:sp>
+        <p:nvSpPr>
+          <p:cNvPr id="6" name="TextBox 5"/>
+          <p:cNvSpPr txBox="1"/>
+          <p:nvPr/>
+        </p:nvSpPr>
+        <p:spPr>
+          <a:xfrm>
+            <a:off x="5239512" y="5122389"/>
+            <a:ext cx="1870448" cy="307777"/>
+          </a:xfrm>
+          <a:prstGeom prst="rect">
+            <a:avLst/>
+          </a:prstGeom>
+          <a:noFill/>
+        </p:spPr>
+        <p:txBody>
+          <a:bodyPr wrap="none" rtlCol="0">
+            <a:spAutoFit/>
+          </a:bodyPr>
+          <a:lstStyle/>
+          <a:p>
+            <a:pPr algn="l"/>
+            <a:r>
+              <a:rPr lang="en-US" sz="1400" i="1" dirty="0" smtClean="0">
+                <a:solidFill>
+                  <a:schemeClr val="bg2"/>
+                </a:solidFill>
+              </a:rPr>
+              <a:t>Vishnu Sivan (dev.to)</a:t>
+            </a:r>
+          </a:p>
+        </p:txBody>
+      </p:sp>
+      <p:pic>
+        <p:nvPicPr>
+          <p:cNvPr id="4" name="Picture 3"/>
+          <p:cNvPicPr>
+            <a:picLocks noChangeAspect="1"/>
+          </p:cNvPicPr>
+          <p:nvPr/>
+        </p:nvPicPr>
+        <p:blipFill>
+          <a:blip r:embed="rId2"/>
+          <a:stretch>
+            <a:fillRect/>
+          </a:stretch>
+        </p:blipFill>
+        <p:spPr>
+          <a:xfrm>
+            <a:off x="806679" y="2312720"/>
+            <a:ext cx="10736114" cy="2706652"/>
+          </a:xfrm>
+          <a:prstGeom prst="rect">
+            <a:avLst/>
+          </a:prstGeom>
+        </p:spPr>
+      </p:pic>
+      <p:sp>
+        <p:nvSpPr>
+          <p:cNvPr id="8" name="TextBox 7"/>
+          <p:cNvSpPr txBox="1"/>
+          <p:nvPr/>
+        </p:nvSpPr>
+        <p:spPr>
+          <a:xfrm>
+            <a:off x="1442639" y="1891880"/>
+            <a:ext cx="3796873" cy="369332"/>
+          </a:xfrm>
+          <a:prstGeom prst="rect">
+            <a:avLst/>
+          </a:prstGeom>
+          <a:noFill/>
+        </p:spPr>
+        <p:txBody>
+          <a:bodyPr wrap="none" rtlCol="0">
+            <a:spAutoFit/>
+          </a:bodyPr>
+          <a:lstStyle/>
+          <a:p>
+            <a:r>
+              <a:rPr lang="en-US" dirty="0" err="1" smtClean="0">
+                <a:solidFill>
+                  <a:schemeClr val="bg1"/>
+                </a:solidFill>
+              </a:rPr>
+              <a:t>Webpack</a:t>
+            </a:r>
+            <a:r>
+              <a:rPr lang="en-US" dirty="0" smtClean="0">
+                <a:solidFill>
+                  <a:schemeClr val="bg1"/>
+                </a:solidFill>
+              </a:rPr>
+              <a:t> bundles the entire project</a:t>
+            </a:r>
+          </a:p>
+        </p:txBody>
+      </p:sp>
+      <p:sp>
+        <p:nvSpPr>
+          <p:cNvPr id="9" name="TextBox 8"/>
+          <p:cNvSpPr txBox="1"/>
+          <p:nvPr/>
+        </p:nvSpPr>
+        <p:spPr>
+          <a:xfrm>
+            <a:off x="7109960" y="1891880"/>
+            <a:ext cx="3463449" cy="369332"/>
+          </a:xfrm>
+          <a:prstGeom prst="rect">
+            <a:avLst/>
+          </a:prstGeom>
+          <a:noFill/>
+        </p:spPr>
+        <p:txBody>
+          <a:bodyPr wrap="none" rtlCol="0">
+            <a:spAutoFit/>
+          </a:bodyPr>
+          <a:lstStyle/>
+          <a:p>
+            <a:r>
+              <a:rPr lang="en-US" dirty="0" err="1" smtClean="0">
+                <a:solidFill>
+                  <a:schemeClr val="bg1"/>
+                </a:solidFill>
+              </a:rPr>
+              <a:t>Vite</a:t>
+            </a:r>
+            <a:r>
+              <a:rPr lang="en-US" dirty="0" smtClean="0">
+                <a:solidFill>
+                  <a:schemeClr val="bg1"/>
+                </a:solidFill>
+              </a:rPr>
+              <a:t> only bundles needed pages</a:t>
             </a:r>
           </a:p>
         </p:txBody>
@@ -20434,7 +20351,7 @@
     </p:spTree>
     <p:extLst>
       <p:ext uri="{BB962C8B-B14F-4D97-AF65-F5344CB8AC3E}">
-        <p14:creationId xmlns:p14="http://schemas.microsoft.com/office/powerpoint/2010/main" val="3650436196"/>
+        <p14:creationId xmlns:p14="http://schemas.microsoft.com/office/powerpoint/2010/main" val="1787857065"/>
       </p:ext>
     </p:extLst>
   </p:cSld>
@@ -20491,7 +20408,7 @@
           <a:p>
             <a:r>
               <a:rPr lang="en-US" dirty="0" smtClean="0"/>
-              <a:t>Disadvantages</a:t>
+              <a:t>Vite.js</a:t>
             </a:r>
             <a:endParaRPr lang="en-US" dirty="0"/>
           </a:p>
@@ -20520,56 +20437,142 @@
           </a:bodyPr>
           <a:lstStyle/>
           <a:p>
-            <a:r>
-              <a:rPr lang="en-US" sz="2400" dirty="0"/>
-              <a:t>Limited browser </a:t>
-            </a:r>
+            <a:pPr marL="0" indent="0">
+              <a:buNone/>
+            </a:pPr>
             <a:r>
               <a:rPr lang="en-US" sz="2400" dirty="0" smtClean="0"/>
-              <a:t>compatibility</a:t>
-            </a:r>
-          </a:p>
-          <a:p>
-            <a:r>
-              <a:rPr lang="en-US" sz="2400" dirty="0" smtClean="0"/>
-              <a:t>Small community</a:t>
-            </a:r>
-          </a:p>
-          <a:p>
-            <a:r>
-              <a:rPr lang="en-US" sz="2400" dirty="0" smtClean="0"/>
-              <a:t>Using </a:t>
-            </a:r>
-            <a:r>
-              <a:rPr lang="en-US" sz="2400" dirty="0"/>
-              <a:t>different </a:t>
-            </a:r>
-            <a:r>
-              <a:rPr lang="en-US" sz="2400" dirty="0" smtClean="0"/>
-              <a:t>bundlers </a:t>
-            </a:r>
-            <a:r>
-              <a:rPr lang="en-US" sz="2400" dirty="0"/>
-              <a:t>for the dev and prod environment could result in </a:t>
-            </a:r>
-            <a:r>
-              <a:rPr lang="en-US" sz="2400" dirty="0" smtClean="0"/>
-              <a:t>bugs</a:t>
-            </a:r>
-          </a:p>
-          <a:p>
-            <a:r>
-              <a:rPr lang="en-US" sz="2400" dirty="0" smtClean="0"/>
-              <a:t>Lack of Jest support</a:t>
-            </a:r>
-            <a:endParaRPr lang="en-US" sz="2400" dirty="0"/>
-          </a:p>
-        </p:txBody>
-      </p:sp>
+              <a:t>Performance comparison</a:t>
+            </a:r>
+          </a:p>
+        </p:txBody>
+      </p:sp>
+      <p:sp>
+        <p:nvSpPr>
+          <p:cNvPr id="8" name="TextBox 7"/>
+          <p:cNvSpPr txBox="1"/>
+          <p:nvPr/>
+        </p:nvSpPr>
+        <p:spPr>
+          <a:xfrm>
+            <a:off x="1713054" y="1930565"/>
+            <a:ext cx="2899127" cy="369332"/>
+          </a:xfrm>
+          <a:prstGeom prst="rect">
+            <a:avLst/>
+          </a:prstGeom>
+          <a:noFill/>
+        </p:spPr>
+        <p:txBody>
+          <a:bodyPr wrap="none" rtlCol="0">
+            <a:spAutoFit/>
+          </a:bodyPr>
+          <a:lstStyle/>
+          <a:p>
+            <a:r>
+              <a:rPr lang="en-US" i="1" dirty="0" smtClean="0">
+                <a:solidFill>
+                  <a:schemeClr val="bg1"/>
+                </a:solidFill>
+              </a:rPr>
+              <a:t>Create React App (11.61s)</a:t>
+            </a:r>
+          </a:p>
+        </p:txBody>
+      </p:sp>
+      <p:sp>
+        <p:nvSpPr>
+          <p:cNvPr id="9" name="TextBox 8"/>
+          <p:cNvSpPr txBox="1"/>
+          <p:nvPr/>
+        </p:nvSpPr>
+        <p:spPr>
+          <a:xfrm>
+            <a:off x="8144764" y="1930565"/>
+            <a:ext cx="1360309" cy="369332"/>
+          </a:xfrm>
+          <a:prstGeom prst="rect">
+            <a:avLst/>
+          </a:prstGeom>
+          <a:noFill/>
+        </p:spPr>
+        <p:txBody>
+          <a:bodyPr wrap="none" rtlCol="0">
+            <a:spAutoFit/>
+          </a:bodyPr>
+          <a:lstStyle/>
+          <a:p>
+            <a:r>
+              <a:rPr lang="en-US" i="1" dirty="0" err="1" smtClean="0">
+                <a:solidFill>
+                  <a:schemeClr val="bg1"/>
+                </a:solidFill>
+              </a:rPr>
+              <a:t>Vite</a:t>
+            </a:r>
+            <a:r>
+              <a:rPr lang="en-US" i="1" dirty="0" smtClean="0">
+                <a:solidFill>
+                  <a:schemeClr val="bg1"/>
+                </a:solidFill>
+              </a:rPr>
+              <a:t> (3.45s)</a:t>
+            </a:r>
+          </a:p>
+        </p:txBody>
+      </p:sp>
+      <p:pic>
+        <p:nvPicPr>
+          <p:cNvPr id="5" name="Picture 4"/>
+          <p:cNvPicPr>
+            <a:picLocks noChangeAspect="1"/>
+          </p:cNvPicPr>
+          <p:nvPr/>
+        </p:nvPicPr>
+        <p:blipFill>
+          <a:blip r:embed="rId2"/>
+          <a:stretch>
+            <a:fillRect/>
+          </a:stretch>
+        </p:blipFill>
+        <p:spPr>
+          <a:xfrm>
+            <a:off x="6518624" y="2434319"/>
+            <a:ext cx="4612590" cy="1815767"/>
+          </a:xfrm>
+          <a:prstGeom prst="rect">
+            <a:avLst/>
+          </a:prstGeom>
+        </p:spPr>
+      </p:pic>
+      <p:pic>
+        <p:nvPicPr>
+          <p:cNvPr id="7" name="Picture 6"/>
+          <p:cNvPicPr>
+            <a:picLocks noChangeAspect="1"/>
+          </p:cNvPicPr>
+          <p:nvPr/>
+        </p:nvPicPr>
+        <p:blipFill>
+          <a:blip r:embed="rId3"/>
+          <a:stretch>
+            <a:fillRect/>
+          </a:stretch>
+        </p:blipFill>
+        <p:spPr>
+          <a:xfrm>
+            <a:off x="838199" y="2434319"/>
+            <a:ext cx="4648838" cy="3675488"/>
+          </a:xfrm>
+          <a:prstGeom prst="rect">
+            <a:avLst/>
+          </a:prstGeom>
+        </p:spPr>
+      </p:pic>
     </p:spTree>
     <p:extLst>
       <p:ext uri="{BB962C8B-B14F-4D97-AF65-F5344CB8AC3E}">
-        <p14:creationId xmlns:p14="http://schemas.microsoft.com/office/powerpoint/2010/main" val="79752320"/>
+        <p14:creationId xmlns:p14="http://schemas.microsoft.com/office/powerpoint/2010/main" val="508841800"/>
       </p:ext>
     </p:extLst>
   </p:cSld>
@@ -20624,17 +20627,21 @@
           <a:bodyPr/>
           <a:lstStyle/>
           <a:p>
+            <a:pPr lvl="0"/>
             <a:r>
               <a:rPr lang="en-US" dirty="0" smtClean="0"/>
-              <a:t>Create a </a:t>
-            </a:r>
-            <a:r>
-              <a:rPr lang="en-US" dirty="0" err="1" smtClean="0"/>
-              <a:t>Vite</a:t>
+              <a:t>Advantages &amp;</a:t>
+            </a:r>
+          </a:p>
+          <a:p>
+            <a:pPr lvl="0"/>
+            <a:r>
+              <a:rPr lang="en-US" dirty="0"/>
+              <a:t>	</a:t>
             </a:r>
             <a:r>
               <a:rPr lang="en-US" dirty="0" smtClean="0"/>
-              <a:t> project</a:t>
+              <a:t>Disadvantages</a:t>
             </a:r>
             <a:endParaRPr lang="en-US" dirty="0"/>
           </a:p>
@@ -20663,7 +20670,7 @@
           <a:p>
             <a:r>
               <a:rPr lang="en-US" dirty="0" smtClean="0"/>
-              <a:t>02</a:t>
+              <a:t>03</a:t>
             </a:r>
             <a:endParaRPr lang="en-US" dirty="0"/>
           </a:p>
@@ -20672,20 +20679,13 @@
     </p:spTree>
     <p:extLst>
       <p:ext uri="{BB962C8B-B14F-4D97-AF65-F5344CB8AC3E}">
-        <p14:creationId xmlns:p14="http://schemas.microsoft.com/office/powerpoint/2010/main" val="4136072690"/>
+        <p14:creationId xmlns:p14="http://schemas.microsoft.com/office/powerpoint/2010/main" val="2574647178"/>
       </p:ext>
     </p:extLst>
   </p:cSld>
   <p:clrMapOvr>
     <a:masterClrMapping/>
   </p:clrMapOvr>
-  <p:timing>
-    <p:tnLst>
-      <p:par>
-        <p:cTn id="1" dur="indefinite" restart="never" nodeType="tmRoot"/>
-      </p:par>
-    </p:tnLst>
-  </p:timing>
 </p:sld>
 </file>
 
@@ -20728,17 +20728,10 @@
           <a:lstStyle/>
           <a:p>
             <a:r>
-              <a:rPr lang="en-US" dirty="0"/>
-              <a:t>Create a </a:t>
-            </a:r>
-            <a:r>
-              <a:rPr lang="en-US" dirty="0" err="1"/>
-              <a:t>Vite</a:t>
-            </a:r>
-            <a:r>
-              <a:rPr lang="en-US" dirty="0"/>
-              <a:t> project</a:t>
-            </a:r>
+              <a:rPr lang="en-US" dirty="0" smtClean="0"/>
+              <a:t>Advantages</a:t>
+            </a:r>
+            <a:endParaRPr lang="en-US" dirty="0"/>
           </a:p>
         </p:txBody>
       </p:sp>
@@ -20767,85 +20760,62 @@
           <a:p>
             <a:r>
               <a:rPr lang="en-US" sz="2400" dirty="0" smtClean="0"/>
-              <a:t>Requirements</a:t>
-            </a:r>
-            <a:r>
-              <a:rPr lang="en-US" sz="2800" dirty="0" smtClean="0"/>
-              <a:t>:</a:t>
-            </a:r>
-          </a:p>
-          <a:p>
-            <a:pPr lvl="1">
-              <a:buFont typeface="Arial" panose="020B0604020202020204" pitchFamily="34" charset="0"/>
-              <a:buChar char="•"/>
-            </a:pPr>
-            <a:r>
-              <a:rPr lang="en-US" sz="2200" dirty="0"/>
-              <a:t>Node.js 12.2+</a:t>
-            </a:r>
-          </a:p>
-          <a:p>
-            <a:pPr lvl="1">
-              <a:buFont typeface="Arial" panose="020B0604020202020204" pitchFamily="34" charset="0"/>
-              <a:buChar char="•"/>
-            </a:pPr>
-            <a:r>
-              <a:rPr lang="en-US" sz="2200" dirty="0" err="1"/>
-              <a:t>npm</a:t>
-            </a:r>
-            <a:r>
-              <a:rPr lang="en-US" sz="2200" dirty="0"/>
-              <a:t> or yarn</a:t>
-            </a:r>
-          </a:p>
-          <a:p>
-            <a:pPr marL="0" indent="0">
-              <a:buNone/>
-            </a:pPr>
-            <a:endParaRPr lang="en-US" sz="2800" b="1" dirty="0" smtClean="0"/>
-          </a:p>
-          <a:p>
+              <a:t>Provides </a:t>
+            </a:r>
+            <a:r>
+              <a:rPr lang="en-US" sz="2400" dirty="0"/>
+              <a:t>lightning-fast </a:t>
+            </a:r>
             <a:r>
               <a:rPr lang="en-US" sz="2400" dirty="0" smtClean="0"/>
-              <a:t>Run the following command:</a:t>
-            </a:r>
-          </a:p>
-          <a:p>
-            <a:pPr marL="457200" lvl="1" indent="0">
-              <a:buNone/>
-            </a:pPr>
-            <a:endParaRPr lang="en-US" sz="2200" dirty="0" smtClean="0"/>
-          </a:p>
-        </p:txBody>
-      </p:sp>
-      <p:pic>
-        <p:nvPicPr>
-          <p:cNvPr id="4" name="Picture 3"/>
-          <p:cNvPicPr>
-            <a:picLocks noChangeAspect="1"/>
-          </p:cNvPicPr>
-          <p:nvPr/>
-        </p:nvPicPr>
-        <p:blipFill>
-          <a:blip r:embed="rId2"/>
-          <a:stretch>
-            <a:fillRect/>
-          </a:stretch>
-        </p:blipFill>
-        <p:spPr>
-          <a:xfrm>
-            <a:off x="1167383" y="3526974"/>
-            <a:ext cx="9373908" cy="952633"/>
-          </a:xfrm>
-          <a:prstGeom prst="rect">
-            <a:avLst/>
-          </a:prstGeom>
-        </p:spPr>
-      </p:pic>
+              <a:t>start-ups</a:t>
+            </a:r>
+          </a:p>
+          <a:p>
+            <a:r>
+              <a:rPr lang="en-US" sz="2400" dirty="0"/>
+              <a:t>Sass, Less and </a:t>
+            </a:r>
+            <a:r>
+              <a:rPr lang="en-US" sz="2400" dirty="0" smtClean="0"/>
+              <a:t>Stylus support</a:t>
+            </a:r>
+          </a:p>
+          <a:p>
+            <a:r>
+              <a:rPr lang="en-US" sz="2400" dirty="0" smtClean="0"/>
+              <a:t>Multi-page </a:t>
+            </a:r>
+            <a:r>
+              <a:rPr lang="en-US" sz="2400" dirty="0"/>
+              <a:t>support</a:t>
+            </a:r>
+            <a:endParaRPr lang="en-US" sz="2400" dirty="0" smtClean="0"/>
+          </a:p>
+          <a:p>
+            <a:r>
+              <a:rPr lang="en-US" sz="2400" dirty="0" smtClean="0"/>
+              <a:t>Offers </a:t>
+            </a:r>
+            <a:r>
+              <a:rPr lang="en-US" sz="2400" dirty="0"/>
+              <a:t>templates for React, </a:t>
+            </a:r>
+            <a:r>
+              <a:rPr lang="en-US" sz="2400" dirty="0" err="1"/>
+              <a:t>Vue</a:t>
+            </a:r>
+            <a:r>
+              <a:rPr lang="en-US" sz="2400" dirty="0"/>
+              <a:t>, Svelte, Lit and Vanilla</a:t>
+            </a:r>
+          </a:p>
+        </p:txBody>
+      </p:sp>
     </p:spTree>
     <p:extLst>
       <p:ext uri="{BB962C8B-B14F-4D97-AF65-F5344CB8AC3E}">
-        <p14:creationId xmlns:p14="http://schemas.microsoft.com/office/powerpoint/2010/main" val="1721504462"/>
+        <p14:creationId xmlns:p14="http://schemas.microsoft.com/office/powerpoint/2010/main" val="3650436196"/>
       </p:ext>
     </p:extLst>
   </p:cSld>
@@ -20901,17 +20871,10 @@
           <a:lstStyle/>
           <a:p>
             <a:r>
-              <a:rPr lang="en-US" dirty="0"/>
-              <a:t>Create a </a:t>
-            </a:r>
-            <a:r>
-              <a:rPr lang="en-US" dirty="0" err="1"/>
-              <a:t>Vite</a:t>
-            </a:r>
-            <a:r>
-              <a:rPr lang="en-US" dirty="0"/>
-              <a:t> project</a:t>
-            </a:r>
+              <a:rPr lang="en-US" dirty="0" smtClean="0"/>
+              <a:t>Disadvantages</a:t>
+            </a:r>
+            <a:endParaRPr lang="en-US" dirty="0"/>
           </a:p>
         </p:txBody>
       </p:sp>
@@ -20939,82 +20902,55 @@
           <a:lstStyle/>
           <a:p>
             <a:r>
-              <a:rPr lang="en-US" sz="2000" dirty="0" smtClean="0"/>
-              <a:t>Enter your project name:</a:t>
-            </a:r>
-          </a:p>
-          <a:p>
-            <a:endParaRPr lang="en-US" sz="2400" dirty="0" smtClean="0"/>
-          </a:p>
-          <a:p>
+              <a:rPr lang="en-US" sz="2400" dirty="0"/>
+              <a:t>Limited browser </a:t>
+            </a:r>
+            <a:r>
+              <a:rPr lang="en-US" sz="2400" dirty="0" smtClean="0"/>
+              <a:t>compatibility</a:t>
+            </a:r>
+          </a:p>
+          <a:p>
+            <a:r>
+              <a:rPr lang="en-US" sz="2400" dirty="0" smtClean="0"/>
+              <a:t>Small community</a:t>
+            </a:r>
+          </a:p>
+          <a:p>
+            <a:r>
+              <a:rPr lang="en-US" sz="2400" dirty="0" smtClean="0"/>
+              <a:t>Using </a:t>
+            </a:r>
+            <a:r>
+              <a:rPr lang="en-US" sz="2400" dirty="0"/>
+              <a:t>different </a:t>
+            </a:r>
+            <a:r>
+              <a:rPr lang="en-US" sz="2400" dirty="0" smtClean="0"/>
+              <a:t>bundlers </a:t>
+            </a:r>
+            <a:r>
+              <a:rPr lang="en-US" sz="2400" dirty="0"/>
+              <a:t>for the dev and prod environment could result in </a:t>
+            </a:r>
+            <a:r>
+              <a:rPr lang="en-US" sz="2400" dirty="0" smtClean="0"/>
+              <a:t>bugs</a:t>
+            </a:r>
+          </a:p>
+          <a:p>
+            <a:r>
+              <a:rPr lang="en-US" sz="2400" dirty="0" smtClean="0"/>
+              <a:t>Lack of Jest support</a:t>
+            </a:r>
             <a:endParaRPr lang="en-US" sz="2400" dirty="0"/>
           </a:p>
-          <a:p>
-            <a:endParaRPr lang="en-US" sz="2400" dirty="0" smtClean="0"/>
-          </a:p>
-          <a:p>
-            <a:r>
-              <a:rPr lang="en-US" sz="2000" dirty="0" smtClean="0"/>
-              <a:t>Choose a framework:</a:t>
-            </a:r>
-          </a:p>
-          <a:p>
-            <a:endParaRPr lang="en-US" sz="2400" dirty="0" smtClean="0"/>
-          </a:p>
-        </p:txBody>
-      </p:sp>
-      <p:pic>
-        <p:nvPicPr>
-          <p:cNvPr id="5" name="Picture 4"/>
-          <p:cNvPicPr>
-            <a:picLocks noChangeAspect="1"/>
-          </p:cNvPicPr>
-          <p:nvPr/>
-        </p:nvPicPr>
-        <p:blipFill>
-          <a:blip r:embed="rId2"/>
-          <a:stretch>
-            <a:fillRect/>
-          </a:stretch>
-        </p:blipFill>
-        <p:spPr>
-          <a:xfrm>
-            <a:off x="1187695" y="1628827"/>
-            <a:ext cx="4515480" cy="924054"/>
-          </a:xfrm>
-          <a:prstGeom prst="rect">
-            <a:avLst/>
-          </a:prstGeom>
-        </p:spPr>
-      </p:pic>
-      <p:pic>
-        <p:nvPicPr>
-          <p:cNvPr id="6" name="Picture 5"/>
-          <p:cNvPicPr>
-            <a:picLocks noChangeAspect="1"/>
-          </p:cNvPicPr>
-          <p:nvPr/>
-        </p:nvPicPr>
-        <p:blipFill>
-          <a:blip r:embed="rId3"/>
-          <a:stretch>
-            <a:fillRect/>
-          </a:stretch>
-        </p:blipFill>
-        <p:spPr>
-          <a:xfrm>
-            <a:off x="1187695" y="3352769"/>
-            <a:ext cx="5725169" cy="2217735"/>
-          </a:xfrm>
-          <a:prstGeom prst="rect">
-            <a:avLst/>
-          </a:prstGeom>
-        </p:spPr>
-      </p:pic>
+        </p:txBody>
+      </p:sp>
     </p:spTree>
     <p:extLst>
       <p:ext uri="{BB962C8B-B14F-4D97-AF65-F5344CB8AC3E}">
-        <p14:creationId xmlns:p14="http://schemas.microsoft.com/office/powerpoint/2010/main" val="3050769057"/>
+        <p14:creationId xmlns:p14="http://schemas.microsoft.com/office/powerpoint/2010/main" val="79752320"/>
       </p:ext>
     </p:extLst>
   </p:cSld>
@@ -21050,13 +20986,7 @@
       </p:grpSpPr>
       <p:sp>
         <p:nvSpPr>
-          <p:cNvPr id="2" name="Title 1">
-            <a:extLst>
-              <a:ext uri="{FF2B5EF4-FFF2-40B4-BE49-F238E27FC236}">
-                <a16:creationId xmlns:a16="http://schemas.microsoft.com/office/drawing/2014/main" id="{28D09562-4D8D-434E-AE6A-6CF89E6B1BBF}"/>
-              </a:ext>
-            </a:extLst>
-          </p:cNvPr>
+          <p:cNvPr id="2" name="Title 1"/>
           <p:cNvSpPr>
             <a:spLocks noGrp="1"/>
           </p:cNvSpPr>
@@ -21070,82 +21000,82 @@
           <a:lstStyle/>
           <a:p>
             <a:r>
+              <a:rPr lang="en-US" dirty="0" smtClean="0"/>
+              <a:t>Disadvantages</a:t>
+            </a:r>
+            <a:endParaRPr lang="en-US" dirty="0"/>
+          </a:p>
+        </p:txBody>
+      </p:sp>
+      <p:sp>
+        <p:nvSpPr>
+          <p:cNvPr id="3" name="Text Placeholder 2"/>
+          <p:cNvSpPr>
+            <a:spLocks noGrp="1"/>
+          </p:cNvSpPr>
+          <p:nvPr>
+            <p:ph type="body" sz="quarter" idx="11"/>
+          </p:nvPr>
+        </p:nvSpPr>
+        <p:spPr/>
+        <p:txBody>
+          <a:bodyPr/>
+          <a:lstStyle/>
+          <a:p>
+            <a:pPr marL="0" indent="0">
+              <a:buNone/>
+            </a:pPr>
+            <a:r>
               <a:rPr lang="en-US" dirty="0"/>
-              <a:t>Create a </a:t>
-            </a:r>
-            <a:r>
-              <a:rPr lang="en-US" dirty="0" err="1"/>
-              <a:t>Vite</a:t>
+              <a:t>By default, </a:t>
+            </a:r>
+            <a:r>
+              <a:rPr lang="en-US" b="1" dirty="0" err="1"/>
+              <a:t>esbuild</a:t>
             </a:r>
             <a:r>
               <a:rPr lang="en-US" dirty="0"/>
-              <a:t> project</a:t>
-            </a:r>
-          </a:p>
-        </p:txBody>
-      </p:sp>
-      <p:sp>
-        <p:nvSpPr>
-          <p:cNvPr id="3" name="Text Placeholder 2">
-            <a:extLst>
-              <a:ext uri="{FF2B5EF4-FFF2-40B4-BE49-F238E27FC236}">
-                <a16:creationId xmlns:a16="http://schemas.microsoft.com/office/drawing/2014/main" id="{980004BA-4F47-4C5C-B300-EF35A2F015DB}"/>
-              </a:ext>
-            </a:extLst>
-          </p:cNvPr>
-          <p:cNvSpPr>
-            <a:spLocks noGrp="1"/>
-          </p:cNvSpPr>
-          <p:nvPr>
-            <p:ph type="body" sz="quarter" idx="11"/>
-          </p:nvPr>
-        </p:nvSpPr>
-        <p:spPr/>
-        <p:txBody>
-          <a:bodyPr>
-            <a:normAutofit/>
-          </a:bodyPr>
-          <a:lstStyle/>
-          <a:p>
-            <a:r>
-              <a:rPr lang="en-US" sz="2000" dirty="0" smtClean="0"/>
-              <a:t>Choose a variant (SWC stands </a:t>
-            </a:r>
-            <a:r>
-              <a:rPr lang="en-US" sz="2000" dirty="0"/>
-              <a:t>for Speedy Web </a:t>
-            </a:r>
-            <a:r>
-              <a:rPr lang="en-US" sz="2000" dirty="0" smtClean="0"/>
-              <a:t>Compiler, a Rust-based bundler):</a:t>
-            </a:r>
-          </a:p>
-          <a:p>
-            <a:endParaRPr lang="en-US" sz="2400" dirty="0" smtClean="0"/>
-          </a:p>
-          <a:p>
-            <a:endParaRPr lang="en-US" sz="2400" dirty="0"/>
-          </a:p>
-          <a:p>
-            <a:endParaRPr lang="en-US" sz="2400" dirty="0" smtClean="0"/>
+              <a:t> is used for the </a:t>
+            </a:r>
+            <a:r>
+              <a:rPr lang="en-US" b="1" dirty="0"/>
+              <a:t>development</a:t>
+            </a:r>
+            <a:r>
+              <a:rPr lang="en-US" dirty="0"/>
+              <a:t>, while the </a:t>
+            </a:r>
+            <a:r>
+              <a:rPr lang="en-US" b="1" dirty="0"/>
+              <a:t>production</a:t>
+            </a:r>
+            <a:r>
+              <a:rPr lang="en-US" dirty="0"/>
+              <a:t> bundle is built using </a:t>
+            </a:r>
+            <a:r>
+              <a:rPr lang="en-US" b="1" dirty="0" smtClean="0"/>
+              <a:t>Rollup</a:t>
+            </a:r>
           </a:p>
           <a:p>
             <a:pPr marL="0" indent="0">
               <a:buNone/>
             </a:pPr>
-            <a:endParaRPr lang="en-US" sz="2400" dirty="0"/>
-          </a:p>
-          <a:p>
-            <a:r>
-              <a:rPr lang="en-US" sz="2000" dirty="0" smtClean="0"/>
-              <a:t>Run the following command:</a:t>
-            </a:r>
-          </a:p>
-          <a:p>
-            <a:endParaRPr lang="en-US" sz="2400" dirty="0" smtClean="0"/>
-          </a:p>
-          <a:p>
-            <a:endParaRPr lang="en-US" sz="2400" dirty="0" smtClean="0"/>
+            <a:r>
+              <a:rPr lang="en-US" b="1" dirty="0" smtClean="0"/>
+              <a:t>Solution</a:t>
+            </a:r>
+            <a:r>
+              <a:rPr lang="en-US" dirty="0" smtClean="0"/>
+              <a:t>:</a:t>
+            </a:r>
+          </a:p>
+          <a:p>
+            <a:r>
+              <a:rPr lang="en-US" dirty="0"/>
+              <a:t>Disable dependencies optimizations</a:t>
+            </a:r>
           </a:p>
         </p:txBody>
       </p:sp>
@@ -21165,32 +21095,8 @@
         </p:blipFill>
         <p:spPr>
           <a:xfrm>
-            <a:off x="1187695" y="1609515"/>
-            <a:ext cx="4728473" cy="1665447"/>
-          </a:xfrm>
-          <a:prstGeom prst="rect">
-            <a:avLst/>
-          </a:prstGeom>
-        </p:spPr>
-      </p:pic>
-      <p:pic>
-        <p:nvPicPr>
-          <p:cNvPr id="7" name="Picture 6"/>
-          <p:cNvPicPr>
-            <a:picLocks noChangeAspect="1"/>
-          </p:cNvPicPr>
-          <p:nvPr/>
-        </p:nvPicPr>
-        <p:blipFill>
-          <a:blip r:embed="rId3"/>
-          <a:stretch>
-            <a:fillRect/>
-          </a:stretch>
-        </p:blipFill>
-        <p:spPr>
-          <a:xfrm>
-            <a:off x="1187695" y="3831777"/>
-            <a:ext cx="4609601" cy="2009185"/>
+            <a:off x="3926223" y="2873176"/>
+            <a:ext cx="4116966" cy="2967786"/>
           </a:xfrm>
           <a:prstGeom prst="rect">
             <a:avLst/>
@@ -21200,20 +21106,13 @@
     </p:spTree>
     <p:extLst>
       <p:ext uri="{BB962C8B-B14F-4D97-AF65-F5344CB8AC3E}">
-        <p14:creationId xmlns:p14="http://schemas.microsoft.com/office/powerpoint/2010/main" val="4260642262"/>
+        <p14:creationId xmlns:p14="http://schemas.microsoft.com/office/powerpoint/2010/main" val="3592894732"/>
       </p:ext>
     </p:extLst>
   </p:cSld>
   <p:clrMapOvr>
     <a:masterClrMapping/>
   </p:clrMapOvr>
-  <p:timing>
-    <p:tnLst>
-      <p:par>
-        <p:cTn id="1" dur="indefinite" restart="never" nodeType="tmRoot"/>
-      </p:par>
-    </p:tnLst>
-  </p:timing>
 </p:sld>
 </file>
 
@@ -21236,18 +21135,18 @@
       </p:grpSpPr>
       <p:sp>
         <p:nvSpPr>
-          <p:cNvPr id="2" name="Title 1">
-            <a:extLst>
-              <a:ext uri="{FF2B5EF4-FFF2-40B4-BE49-F238E27FC236}">
-                <a16:creationId xmlns:a16="http://schemas.microsoft.com/office/drawing/2014/main" id="{28D09562-4D8D-434E-AE6A-6CF89E6B1BBF}"/>
-              </a:ext>
-            </a:extLst>
-          </p:cNvPr>
-          <p:cNvSpPr>
-            <a:spLocks noGrp="1"/>
-          </p:cNvSpPr>
-          <p:nvPr>
-            <p:ph type="title"/>
+          <p:cNvPr id="2" name="Text Placeholder 1">
+            <a:extLst>
+              <a:ext uri="{FF2B5EF4-FFF2-40B4-BE49-F238E27FC236}">
+                <a16:creationId xmlns:a16="http://schemas.microsoft.com/office/drawing/2014/main" id="{4483D1C0-AEBE-43F2-AF2A-23F080C327DF}"/>
+              </a:ext>
+            </a:extLst>
+          </p:cNvPr>
+          <p:cNvSpPr>
+            <a:spLocks noGrp="1"/>
+          </p:cNvSpPr>
+          <p:nvPr>
+            <p:ph type="body" sz="quarter" idx="15"/>
           </p:nvPr>
         </p:nvSpPr>
         <p:spPr/>
@@ -21256,17 +21155,18 @@
           <a:lstStyle/>
           <a:p>
             <a:r>
-              <a:rPr lang="en-US" dirty="0"/>
+              <a:rPr lang="en-US" dirty="0" smtClean="0"/>
               <a:t>Create a </a:t>
             </a:r>
             <a:r>
-              <a:rPr lang="en-US" dirty="0" err="1"/>
+              <a:rPr lang="en-US" dirty="0" err="1" smtClean="0"/>
               <a:t>Vite</a:t>
             </a:r>
             <a:r>
-              <a:rPr lang="en-US" dirty="0"/>
+              <a:rPr lang="en-US" dirty="0" smtClean="0"/>
               <a:t> project</a:t>
             </a:r>
+            <a:endParaRPr lang="en-US" dirty="0"/>
           </a:p>
         </p:txBody>
       </p:sp>
@@ -21275,86 +21175,34 @@
           <p:cNvPr id="3" name="Text Placeholder 2">
             <a:extLst>
               <a:ext uri="{FF2B5EF4-FFF2-40B4-BE49-F238E27FC236}">
-                <a16:creationId xmlns:a16="http://schemas.microsoft.com/office/drawing/2014/main" id="{980004BA-4F47-4C5C-B300-EF35A2F015DB}"/>
-              </a:ext>
-            </a:extLst>
-          </p:cNvPr>
-          <p:cNvSpPr>
-            <a:spLocks noGrp="1"/>
-          </p:cNvSpPr>
-          <p:nvPr>
-            <p:ph type="body" sz="quarter" idx="11"/>
+                <a16:creationId xmlns:a16="http://schemas.microsoft.com/office/drawing/2014/main" id="{9BBB8D4B-E800-4849-82AC-CE4520B69691}"/>
+              </a:ext>
+            </a:extLst>
+          </p:cNvPr>
+          <p:cNvSpPr>
+            <a:spLocks noGrp="1"/>
+          </p:cNvSpPr>
+          <p:nvPr>
+            <p:ph type="body" sz="quarter" idx="16"/>
           </p:nvPr>
         </p:nvSpPr>
         <p:spPr/>
         <p:txBody>
-          <a:bodyPr>
-            <a:normAutofit/>
-          </a:bodyPr>
+          <a:bodyPr/>
           <a:lstStyle/>
           <a:p>
             <a:r>
-              <a:rPr lang="en-US" sz="2400" dirty="0" smtClean="0"/>
-              <a:t>The project is ready in 399ms</a:t>
-            </a:r>
-          </a:p>
-          <a:p>
-            <a:endParaRPr lang="en-US" sz="2400" dirty="0" smtClean="0"/>
-          </a:p>
-        </p:txBody>
-      </p:sp>
-      <p:pic>
-        <p:nvPicPr>
-          <p:cNvPr id="5" name="Picture 4"/>
-          <p:cNvPicPr>
-            <a:picLocks noChangeAspect="1"/>
-          </p:cNvPicPr>
-          <p:nvPr/>
-        </p:nvPicPr>
-        <p:blipFill>
-          <a:blip r:embed="rId2"/>
-          <a:stretch>
-            <a:fillRect/>
-          </a:stretch>
-        </p:blipFill>
-        <p:spPr>
-          <a:xfrm>
-            <a:off x="931200" y="1881067"/>
-            <a:ext cx="4168305" cy="1456493"/>
-          </a:xfrm>
-          <a:prstGeom prst="rect">
-            <a:avLst/>
-          </a:prstGeom>
-        </p:spPr>
-      </p:pic>
-      <p:pic>
-        <p:nvPicPr>
-          <p:cNvPr id="6" name="Picture 5"/>
-          <p:cNvPicPr>
-            <a:picLocks noChangeAspect="1"/>
-          </p:cNvPicPr>
-          <p:nvPr/>
-        </p:nvPicPr>
-        <p:blipFill>
-          <a:blip r:embed="rId3"/>
-          <a:stretch>
-            <a:fillRect/>
-          </a:stretch>
-        </p:blipFill>
-        <p:spPr>
-          <a:xfrm>
-            <a:off x="5740828" y="1881066"/>
-            <a:ext cx="6000424" cy="2818949"/>
-          </a:xfrm>
-          <a:prstGeom prst="rect">
-            <a:avLst/>
-          </a:prstGeom>
-        </p:spPr>
-      </p:pic>
+              <a:rPr lang="en-US" dirty="0" smtClean="0"/>
+              <a:t>02</a:t>
+            </a:r>
+            <a:endParaRPr lang="en-US" dirty="0"/>
+          </a:p>
+        </p:txBody>
+      </p:sp>
     </p:spTree>
     <p:extLst>
       <p:ext uri="{BB962C8B-B14F-4D97-AF65-F5344CB8AC3E}">
-        <p14:creationId xmlns:p14="http://schemas.microsoft.com/office/powerpoint/2010/main" val="4289205042"/>
+        <p14:creationId xmlns:p14="http://schemas.microsoft.com/office/powerpoint/2010/main" val="4136072690"/>
       </p:ext>
     </p:extLst>
   </p:cSld>
@@ -21518,6 +21366,688 @@
           <a:lstStyle/>
           <a:p>
             <a:r>
+              <a:rPr lang="en-US" dirty="0"/>
+              <a:t>Create a </a:t>
+            </a:r>
+            <a:r>
+              <a:rPr lang="en-US" dirty="0" err="1"/>
+              <a:t>Vite</a:t>
+            </a:r>
+            <a:r>
+              <a:rPr lang="en-US" dirty="0"/>
+              <a:t> project</a:t>
+            </a:r>
+          </a:p>
+        </p:txBody>
+      </p:sp>
+      <p:sp>
+        <p:nvSpPr>
+          <p:cNvPr id="3" name="Text Placeholder 2">
+            <a:extLst>
+              <a:ext uri="{FF2B5EF4-FFF2-40B4-BE49-F238E27FC236}">
+                <a16:creationId xmlns:a16="http://schemas.microsoft.com/office/drawing/2014/main" id="{980004BA-4F47-4C5C-B300-EF35A2F015DB}"/>
+              </a:ext>
+            </a:extLst>
+          </p:cNvPr>
+          <p:cNvSpPr>
+            <a:spLocks noGrp="1"/>
+          </p:cNvSpPr>
+          <p:nvPr>
+            <p:ph type="body" sz="quarter" idx="11"/>
+          </p:nvPr>
+        </p:nvSpPr>
+        <p:spPr/>
+        <p:txBody>
+          <a:bodyPr>
+            <a:normAutofit/>
+          </a:bodyPr>
+          <a:lstStyle/>
+          <a:p>
+            <a:r>
+              <a:rPr lang="en-US" sz="2400" dirty="0" smtClean="0"/>
+              <a:t>Requirements</a:t>
+            </a:r>
+            <a:r>
+              <a:rPr lang="en-US" sz="2800" dirty="0" smtClean="0"/>
+              <a:t>:</a:t>
+            </a:r>
+          </a:p>
+          <a:p>
+            <a:pPr lvl="1">
+              <a:buFont typeface="Arial" panose="020B0604020202020204" pitchFamily="34" charset="0"/>
+              <a:buChar char="•"/>
+            </a:pPr>
+            <a:r>
+              <a:rPr lang="en-US" sz="2200" dirty="0"/>
+              <a:t>Node.js 12.2+</a:t>
+            </a:r>
+          </a:p>
+          <a:p>
+            <a:pPr lvl="1">
+              <a:buFont typeface="Arial" panose="020B0604020202020204" pitchFamily="34" charset="0"/>
+              <a:buChar char="•"/>
+            </a:pPr>
+            <a:r>
+              <a:rPr lang="en-US" sz="2200" dirty="0" err="1"/>
+              <a:t>npm</a:t>
+            </a:r>
+            <a:r>
+              <a:rPr lang="en-US" sz="2200" dirty="0"/>
+              <a:t> or yarn</a:t>
+            </a:r>
+          </a:p>
+          <a:p>
+            <a:pPr marL="0" indent="0">
+              <a:buNone/>
+            </a:pPr>
+            <a:endParaRPr lang="en-US" sz="2800" b="1" dirty="0" smtClean="0"/>
+          </a:p>
+          <a:p>
+            <a:r>
+              <a:rPr lang="en-US" sz="2400" dirty="0" smtClean="0"/>
+              <a:t>Run the following command:</a:t>
+            </a:r>
+          </a:p>
+          <a:p>
+            <a:pPr marL="457200" lvl="1" indent="0">
+              <a:buNone/>
+            </a:pPr>
+            <a:endParaRPr lang="en-US" sz="2200" dirty="0" smtClean="0"/>
+          </a:p>
+        </p:txBody>
+      </p:sp>
+      <p:pic>
+        <p:nvPicPr>
+          <p:cNvPr id="4" name="Picture 3"/>
+          <p:cNvPicPr>
+            <a:picLocks noChangeAspect="1"/>
+          </p:cNvPicPr>
+          <p:nvPr/>
+        </p:nvPicPr>
+        <p:blipFill>
+          <a:blip r:embed="rId2"/>
+          <a:stretch>
+            <a:fillRect/>
+          </a:stretch>
+        </p:blipFill>
+        <p:spPr>
+          <a:xfrm>
+            <a:off x="1167383" y="3526974"/>
+            <a:ext cx="9373908" cy="952633"/>
+          </a:xfrm>
+          <a:prstGeom prst="rect">
+            <a:avLst/>
+          </a:prstGeom>
+        </p:spPr>
+      </p:pic>
+    </p:spTree>
+    <p:extLst>
+      <p:ext uri="{BB962C8B-B14F-4D97-AF65-F5344CB8AC3E}">
+        <p14:creationId xmlns:p14="http://schemas.microsoft.com/office/powerpoint/2010/main" val="1721504462"/>
+      </p:ext>
+    </p:extLst>
+  </p:cSld>
+  <p:clrMapOvr>
+    <a:masterClrMapping/>
+  </p:clrMapOvr>
+  <p:timing>
+    <p:tnLst>
+      <p:par>
+        <p:cTn id="1" dur="indefinite" restart="never" nodeType="tmRoot"/>
+      </p:par>
+    </p:tnLst>
+  </p:timing>
+</p:sld>
+</file>
+
+<file path=ppt/slides/slide21.xml><?xml version="1.0" encoding="utf-8"?>
+<p:sld xmlns:a="http://schemas.openxmlformats.org/drawingml/2006/main" xmlns:r="http://schemas.openxmlformats.org/officeDocument/2006/relationships" xmlns:p="http://schemas.openxmlformats.org/presentationml/2006/main">
+  <p:cSld>
+    <p:spTree>
+      <p:nvGrpSpPr>
+        <p:cNvPr id="1" name=""/>
+        <p:cNvGrpSpPr/>
+        <p:nvPr/>
+      </p:nvGrpSpPr>
+      <p:grpSpPr>
+        <a:xfrm>
+          <a:off x="0" y="0"/>
+          <a:ext cx="0" cy="0"/>
+          <a:chOff x="0" y="0"/>
+          <a:chExt cx="0" cy="0"/>
+        </a:xfrm>
+      </p:grpSpPr>
+      <p:sp>
+        <p:nvSpPr>
+          <p:cNvPr id="2" name="Title 1">
+            <a:extLst>
+              <a:ext uri="{FF2B5EF4-FFF2-40B4-BE49-F238E27FC236}">
+                <a16:creationId xmlns:a16="http://schemas.microsoft.com/office/drawing/2014/main" id="{28D09562-4D8D-434E-AE6A-6CF89E6B1BBF}"/>
+              </a:ext>
+            </a:extLst>
+          </p:cNvPr>
+          <p:cNvSpPr>
+            <a:spLocks noGrp="1"/>
+          </p:cNvSpPr>
+          <p:nvPr>
+            <p:ph type="title"/>
+          </p:nvPr>
+        </p:nvSpPr>
+        <p:spPr/>
+        <p:txBody>
+          <a:bodyPr/>
+          <a:lstStyle/>
+          <a:p>
+            <a:r>
+              <a:rPr lang="en-US" dirty="0"/>
+              <a:t>Create a </a:t>
+            </a:r>
+            <a:r>
+              <a:rPr lang="en-US" dirty="0" err="1"/>
+              <a:t>Vite</a:t>
+            </a:r>
+            <a:r>
+              <a:rPr lang="en-US" dirty="0"/>
+              <a:t> project</a:t>
+            </a:r>
+          </a:p>
+        </p:txBody>
+      </p:sp>
+      <p:sp>
+        <p:nvSpPr>
+          <p:cNvPr id="3" name="Text Placeholder 2">
+            <a:extLst>
+              <a:ext uri="{FF2B5EF4-FFF2-40B4-BE49-F238E27FC236}">
+                <a16:creationId xmlns:a16="http://schemas.microsoft.com/office/drawing/2014/main" id="{980004BA-4F47-4C5C-B300-EF35A2F015DB}"/>
+              </a:ext>
+            </a:extLst>
+          </p:cNvPr>
+          <p:cNvSpPr>
+            <a:spLocks noGrp="1"/>
+          </p:cNvSpPr>
+          <p:nvPr>
+            <p:ph type="body" sz="quarter" idx="11"/>
+          </p:nvPr>
+        </p:nvSpPr>
+        <p:spPr/>
+        <p:txBody>
+          <a:bodyPr>
+            <a:normAutofit/>
+          </a:bodyPr>
+          <a:lstStyle/>
+          <a:p>
+            <a:r>
+              <a:rPr lang="en-US" sz="2000" dirty="0" smtClean="0"/>
+              <a:t>Enter your project name:</a:t>
+            </a:r>
+          </a:p>
+          <a:p>
+            <a:endParaRPr lang="en-US" sz="2400" dirty="0" smtClean="0"/>
+          </a:p>
+          <a:p>
+            <a:endParaRPr lang="en-US" sz="2400" dirty="0"/>
+          </a:p>
+          <a:p>
+            <a:endParaRPr lang="en-US" sz="2400" dirty="0" smtClean="0"/>
+          </a:p>
+          <a:p>
+            <a:r>
+              <a:rPr lang="en-US" sz="2000" dirty="0" smtClean="0"/>
+              <a:t>Choose a framework:</a:t>
+            </a:r>
+          </a:p>
+          <a:p>
+            <a:endParaRPr lang="en-US" sz="2400" dirty="0" smtClean="0"/>
+          </a:p>
+        </p:txBody>
+      </p:sp>
+      <p:pic>
+        <p:nvPicPr>
+          <p:cNvPr id="5" name="Picture 4"/>
+          <p:cNvPicPr>
+            <a:picLocks noChangeAspect="1"/>
+          </p:cNvPicPr>
+          <p:nvPr/>
+        </p:nvPicPr>
+        <p:blipFill>
+          <a:blip r:embed="rId2"/>
+          <a:stretch>
+            <a:fillRect/>
+          </a:stretch>
+        </p:blipFill>
+        <p:spPr>
+          <a:xfrm>
+            <a:off x="1187695" y="1628827"/>
+            <a:ext cx="4515480" cy="924054"/>
+          </a:xfrm>
+          <a:prstGeom prst="rect">
+            <a:avLst/>
+          </a:prstGeom>
+        </p:spPr>
+      </p:pic>
+      <p:pic>
+        <p:nvPicPr>
+          <p:cNvPr id="6" name="Picture 5"/>
+          <p:cNvPicPr>
+            <a:picLocks noChangeAspect="1"/>
+          </p:cNvPicPr>
+          <p:nvPr/>
+        </p:nvPicPr>
+        <p:blipFill>
+          <a:blip r:embed="rId3"/>
+          <a:stretch>
+            <a:fillRect/>
+          </a:stretch>
+        </p:blipFill>
+        <p:spPr>
+          <a:xfrm>
+            <a:off x="1187695" y="3352769"/>
+            <a:ext cx="5725169" cy="2217735"/>
+          </a:xfrm>
+          <a:prstGeom prst="rect">
+            <a:avLst/>
+          </a:prstGeom>
+        </p:spPr>
+      </p:pic>
+    </p:spTree>
+    <p:extLst>
+      <p:ext uri="{BB962C8B-B14F-4D97-AF65-F5344CB8AC3E}">
+        <p14:creationId xmlns:p14="http://schemas.microsoft.com/office/powerpoint/2010/main" val="3050769057"/>
+      </p:ext>
+    </p:extLst>
+  </p:cSld>
+  <p:clrMapOvr>
+    <a:masterClrMapping/>
+  </p:clrMapOvr>
+  <p:timing>
+    <p:tnLst>
+      <p:par>
+        <p:cTn id="1" dur="indefinite" restart="never" nodeType="tmRoot"/>
+      </p:par>
+    </p:tnLst>
+  </p:timing>
+</p:sld>
+</file>
+
+<file path=ppt/slides/slide22.xml><?xml version="1.0" encoding="utf-8"?>
+<p:sld xmlns:a="http://schemas.openxmlformats.org/drawingml/2006/main" xmlns:r="http://schemas.openxmlformats.org/officeDocument/2006/relationships" xmlns:p="http://schemas.openxmlformats.org/presentationml/2006/main">
+  <p:cSld>
+    <p:spTree>
+      <p:nvGrpSpPr>
+        <p:cNvPr id="1" name=""/>
+        <p:cNvGrpSpPr/>
+        <p:nvPr/>
+      </p:nvGrpSpPr>
+      <p:grpSpPr>
+        <a:xfrm>
+          <a:off x="0" y="0"/>
+          <a:ext cx="0" cy="0"/>
+          <a:chOff x="0" y="0"/>
+          <a:chExt cx="0" cy="0"/>
+        </a:xfrm>
+      </p:grpSpPr>
+      <p:sp>
+        <p:nvSpPr>
+          <p:cNvPr id="2" name="Title 1">
+            <a:extLst>
+              <a:ext uri="{FF2B5EF4-FFF2-40B4-BE49-F238E27FC236}">
+                <a16:creationId xmlns:a16="http://schemas.microsoft.com/office/drawing/2014/main" id="{28D09562-4D8D-434E-AE6A-6CF89E6B1BBF}"/>
+              </a:ext>
+            </a:extLst>
+          </p:cNvPr>
+          <p:cNvSpPr>
+            <a:spLocks noGrp="1"/>
+          </p:cNvSpPr>
+          <p:nvPr>
+            <p:ph type="title"/>
+          </p:nvPr>
+        </p:nvSpPr>
+        <p:spPr/>
+        <p:txBody>
+          <a:bodyPr/>
+          <a:lstStyle/>
+          <a:p>
+            <a:r>
+              <a:rPr lang="en-US" dirty="0"/>
+              <a:t>Create a </a:t>
+            </a:r>
+            <a:r>
+              <a:rPr lang="en-US" dirty="0" err="1"/>
+              <a:t>Vite</a:t>
+            </a:r>
+            <a:r>
+              <a:rPr lang="en-US" dirty="0"/>
+              <a:t> project</a:t>
+            </a:r>
+          </a:p>
+        </p:txBody>
+      </p:sp>
+      <p:sp>
+        <p:nvSpPr>
+          <p:cNvPr id="3" name="Text Placeholder 2">
+            <a:extLst>
+              <a:ext uri="{FF2B5EF4-FFF2-40B4-BE49-F238E27FC236}">
+                <a16:creationId xmlns:a16="http://schemas.microsoft.com/office/drawing/2014/main" id="{980004BA-4F47-4C5C-B300-EF35A2F015DB}"/>
+              </a:ext>
+            </a:extLst>
+          </p:cNvPr>
+          <p:cNvSpPr>
+            <a:spLocks noGrp="1"/>
+          </p:cNvSpPr>
+          <p:nvPr>
+            <p:ph type="body" sz="quarter" idx="11"/>
+          </p:nvPr>
+        </p:nvSpPr>
+        <p:spPr/>
+        <p:txBody>
+          <a:bodyPr>
+            <a:normAutofit/>
+          </a:bodyPr>
+          <a:lstStyle/>
+          <a:p>
+            <a:r>
+              <a:rPr lang="en-US" sz="2000" dirty="0" smtClean="0"/>
+              <a:t>Choose a variant (SWC stands </a:t>
+            </a:r>
+            <a:r>
+              <a:rPr lang="en-US" sz="2000" dirty="0"/>
+              <a:t>for Speedy Web </a:t>
+            </a:r>
+            <a:r>
+              <a:rPr lang="en-US" sz="2000" dirty="0" smtClean="0"/>
+              <a:t>Compiler, a Rust-based bundler):</a:t>
+            </a:r>
+          </a:p>
+          <a:p>
+            <a:endParaRPr lang="en-US" sz="2400" dirty="0" smtClean="0"/>
+          </a:p>
+          <a:p>
+            <a:endParaRPr lang="en-US" sz="2400" dirty="0"/>
+          </a:p>
+          <a:p>
+            <a:endParaRPr lang="en-US" sz="2400" dirty="0" smtClean="0"/>
+          </a:p>
+          <a:p>
+            <a:pPr marL="0" indent="0">
+              <a:buNone/>
+            </a:pPr>
+            <a:endParaRPr lang="en-US" sz="2400" dirty="0"/>
+          </a:p>
+          <a:p>
+            <a:r>
+              <a:rPr lang="en-US" sz="2000" dirty="0" smtClean="0"/>
+              <a:t>Run the following command:</a:t>
+            </a:r>
+          </a:p>
+          <a:p>
+            <a:endParaRPr lang="en-US" sz="2400" dirty="0" smtClean="0"/>
+          </a:p>
+          <a:p>
+            <a:endParaRPr lang="en-US" sz="2400" dirty="0" smtClean="0"/>
+          </a:p>
+        </p:txBody>
+      </p:sp>
+      <p:pic>
+        <p:nvPicPr>
+          <p:cNvPr id="4" name="Picture 3"/>
+          <p:cNvPicPr>
+            <a:picLocks noChangeAspect="1"/>
+          </p:cNvPicPr>
+          <p:nvPr/>
+        </p:nvPicPr>
+        <p:blipFill>
+          <a:blip r:embed="rId2"/>
+          <a:stretch>
+            <a:fillRect/>
+          </a:stretch>
+        </p:blipFill>
+        <p:spPr>
+          <a:xfrm>
+            <a:off x="1187695" y="1609515"/>
+            <a:ext cx="4728473" cy="1665447"/>
+          </a:xfrm>
+          <a:prstGeom prst="rect">
+            <a:avLst/>
+          </a:prstGeom>
+        </p:spPr>
+      </p:pic>
+      <p:pic>
+        <p:nvPicPr>
+          <p:cNvPr id="7" name="Picture 6"/>
+          <p:cNvPicPr>
+            <a:picLocks noChangeAspect="1"/>
+          </p:cNvPicPr>
+          <p:nvPr/>
+        </p:nvPicPr>
+        <p:blipFill>
+          <a:blip r:embed="rId3"/>
+          <a:stretch>
+            <a:fillRect/>
+          </a:stretch>
+        </p:blipFill>
+        <p:spPr>
+          <a:xfrm>
+            <a:off x="1187695" y="3831777"/>
+            <a:ext cx="4609601" cy="2009185"/>
+          </a:xfrm>
+          <a:prstGeom prst="rect">
+            <a:avLst/>
+          </a:prstGeom>
+        </p:spPr>
+      </p:pic>
+    </p:spTree>
+    <p:extLst>
+      <p:ext uri="{BB962C8B-B14F-4D97-AF65-F5344CB8AC3E}">
+        <p14:creationId xmlns:p14="http://schemas.microsoft.com/office/powerpoint/2010/main" val="4260642262"/>
+      </p:ext>
+    </p:extLst>
+  </p:cSld>
+  <p:clrMapOvr>
+    <a:masterClrMapping/>
+  </p:clrMapOvr>
+  <p:timing>
+    <p:tnLst>
+      <p:par>
+        <p:cTn id="1" dur="indefinite" restart="never" nodeType="tmRoot"/>
+      </p:par>
+    </p:tnLst>
+  </p:timing>
+</p:sld>
+</file>
+
+<file path=ppt/slides/slide23.xml><?xml version="1.0" encoding="utf-8"?>
+<p:sld xmlns:a="http://schemas.openxmlformats.org/drawingml/2006/main" xmlns:r="http://schemas.openxmlformats.org/officeDocument/2006/relationships" xmlns:p="http://schemas.openxmlformats.org/presentationml/2006/main">
+  <p:cSld>
+    <p:spTree>
+      <p:nvGrpSpPr>
+        <p:cNvPr id="1" name=""/>
+        <p:cNvGrpSpPr/>
+        <p:nvPr/>
+      </p:nvGrpSpPr>
+      <p:grpSpPr>
+        <a:xfrm>
+          <a:off x="0" y="0"/>
+          <a:ext cx="0" cy="0"/>
+          <a:chOff x="0" y="0"/>
+          <a:chExt cx="0" cy="0"/>
+        </a:xfrm>
+      </p:grpSpPr>
+      <p:sp>
+        <p:nvSpPr>
+          <p:cNvPr id="2" name="Title 1">
+            <a:extLst>
+              <a:ext uri="{FF2B5EF4-FFF2-40B4-BE49-F238E27FC236}">
+                <a16:creationId xmlns:a16="http://schemas.microsoft.com/office/drawing/2014/main" id="{28D09562-4D8D-434E-AE6A-6CF89E6B1BBF}"/>
+              </a:ext>
+            </a:extLst>
+          </p:cNvPr>
+          <p:cNvSpPr>
+            <a:spLocks noGrp="1"/>
+          </p:cNvSpPr>
+          <p:nvPr>
+            <p:ph type="title"/>
+          </p:nvPr>
+        </p:nvSpPr>
+        <p:spPr/>
+        <p:txBody>
+          <a:bodyPr/>
+          <a:lstStyle/>
+          <a:p>
+            <a:r>
+              <a:rPr lang="en-US" dirty="0"/>
+              <a:t>Create a </a:t>
+            </a:r>
+            <a:r>
+              <a:rPr lang="en-US" dirty="0" err="1"/>
+              <a:t>Vite</a:t>
+            </a:r>
+            <a:r>
+              <a:rPr lang="en-US" dirty="0"/>
+              <a:t> project</a:t>
+            </a:r>
+          </a:p>
+        </p:txBody>
+      </p:sp>
+      <p:sp>
+        <p:nvSpPr>
+          <p:cNvPr id="3" name="Text Placeholder 2">
+            <a:extLst>
+              <a:ext uri="{FF2B5EF4-FFF2-40B4-BE49-F238E27FC236}">
+                <a16:creationId xmlns:a16="http://schemas.microsoft.com/office/drawing/2014/main" id="{980004BA-4F47-4C5C-B300-EF35A2F015DB}"/>
+              </a:ext>
+            </a:extLst>
+          </p:cNvPr>
+          <p:cNvSpPr>
+            <a:spLocks noGrp="1"/>
+          </p:cNvSpPr>
+          <p:nvPr>
+            <p:ph type="body" sz="quarter" idx="11"/>
+          </p:nvPr>
+        </p:nvSpPr>
+        <p:spPr/>
+        <p:txBody>
+          <a:bodyPr>
+            <a:normAutofit/>
+          </a:bodyPr>
+          <a:lstStyle/>
+          <a:p>
+            <a:r>
+              <a:rPr lang="en-US" sz="2400" dirty="0" smtClean="0"/>
+              <a:t>The project is ready in 399ms</a:t>
+            </a:r>
+          </a:p>
+          <a:p>
+            <a:endParaRPr lang="en-US" sz="2400" dirty="0" smtClean="0"/>
+          </a:p>
+        </p:txBody>
+      </p:sp>
+      <p:pic>
+        <p:nvPicPr>
+          <p:cNvPr id="5" name="Picture 4"/>
+          <p:cNvPicPr>
+            <a:picLocks noChangeAspect="1"/>
+          </p:cNvPicPr>
+          <p:nvPr/>
+        </p:nvPicPr>
+        <p:blipFill>
+          <a:blip r:embed="rId2"/>
+          <a:stretch>
+            <a:fillRect/>
+          </a:stretch>
+        </p:blipFill>
+        <p:spPr>
+          <a:xfrm>
+            <a:off x="931200" y="1881067"/>
+            <a:ext cx="4168305" cy="1456493"/>
+          </a:xfrm>
+          <a:prstGeom prst="rect">
+            <a:avLst/>
+          </a:prstGeom>
+        </p:spPr>
+      </p:pic>
+      <p:pic>
+        <p:nvPicPr>
+          <p:cNvPr id="6" name="Picture 5"/>
+          <p:cNvPicPr>
+            <a:picLocks noChangeAspect="1"/>
+          </p:cNvPicPr>
+          <p:nvPr/>
+        </p:nvPicPr>
+        <p:blipFill>
+          <a:blip r:embed="rId3"/>
+          <a:stretch>
+            <a:fillRect/>
+          </a:stretch>
+        </p:blipFill>
+        <p:spPr>
+          <a:xfrm>
+            <a:off x="5740828" y="1881066"/>
+            <a:ext cx="6000424" cy="2818949"/>
+          </a:xfrm>
+          <a:prstGeom prst="rect">
+            <a:avLst/>
+          </a:prstGeom>
+        </p:spPr>
+      </p:pic>
+    </p:spTree>
+    <p:extLst>
+      <p:ext uri="{BB962C8B-B14F-4D97-AF65-F5344CB8AC3E}">
+        <p14:creationId xmlns:p14="http://schemas.microsoft.com/office/powerpoint/2010/main" val="4289205042"/>
+      </p:ext>
+    </p:extLst>
+  </p:cSld>
+  <p:clrMapOvr>
+    <a:masterClrMapping/>
+  </p:clrMapOvr>
+  <p:timing>
+    <p:tnLst>
+      <p:par>
+        <p:cTn id="1" dur="indefinite" restart="never" nodeType="tmRoot"/>
+      </p:par>
+    </p:tnLst>
+  </p:timing>
+</p:sld>
+</file>
+
+<file path=ppt/slides/slide24.xml><?xml version="1.0" encoding="utf-8"?>
+<p:sld xmlns:a="http://schemas.openxmlformats.org/drawingml/2006/main" xmlns:r="http://schemas.openxmlformats.org/officeDocument/2006/relationships" xmlns:p="http://schemas.openxmlformats.org/presentationml/2006/main">
+  <p:cSld>
+    <p:spTree>
+      <p:nvGrpSpPr>
+        <p:cNvPr id="1" name=""/>
+        <p:cNvGrpSpPr/>
+        <p:nvPr/>
+      </p:nvGrpSpPr>
+      <p:grpSpPr>
+        <a:xfrm>
+          <a:off x="0" y="0"/>
+          <a:ext cx="0" cy="0"/>
+          <a:chOff x="0" y="0"/>
+          <a:chExt cx="0" cy="0"/>
+        </a:xfrm>
+      </p:grpSpPr>
+      <p:sp>
+        <p:nvSpPr>
+          <p:cNvPr id="2" name="Title 1">
+            <a:extLst>
+              <a:ext uri="{FF2B5EF4-FFF2-40B4-BE49-F238E27FC236}">
+                <a16:creationId xmlns:a16="http://schemas.microsoft.com/office/drawing/2014/main" id="{28D09562-4D8D-434E-AE6A-6CF89E6B1BBF}"/>
+              </a:ext>
+            </a:extLst>
+          </p:cNvPr>
+          <p:cNvSpPr>
+            <a:spLocks noGrp="1"/>
+          </p:cNvSpPr>
+          <p:nvPr>
+            <p:ph type="title"/>
+          </p:nvPr>
+        </p:nvSpPr>
+        <p:spPr/>
+        <p:txBody>
+          <a:bodyPr/>
+          <a:lstStyle/>
+          <a:p>
+            <a:r>
               <a:rPr lang="en-US" dirty="0" smtClean="0"/>
               <a:t>References</a:t>
             </a:r>
@@ -21617,7 +22147,7 @@
 </p:sld>
 </file>
 
-<file path=ppt/slides/slide21.xml><?xml version="1.0" encoding="utf-8"?>
+<file path=ppt/slides/slide25.xml><?xml version="1.0" encoding="utf-8"?>
 <p:sld xmlns:a="http://schemas.openxmlformats.org/drawingml/2006/main" xmlns:r="http://schemas.openxmlformats.org/officeDocument/2006/relationships" xmlns:p="http://schemas.openxmlformats.org/presentationml/2006/main">
   <p:cSld>
     <p:spTree>
@@ -22195,6 +22725,17 @@
           </a:p>
           <a:p>
             <a:r>
+              <a:rPr lang="en-US" sz="2400" dirty="0"/>
+              <a:t>Support for Hot Module Replacement (HMR</a:t>
+            </a:r>
+            <a:r>
+              <a:rPr lang="en-US" sz="2400" dirty="0" smtClean="0"/>
+              <a:t>)</a:t>
+            </a:r>
+            <a:endParaRPr lang="en-US" sz="2400" dirty="0" smtClean="0"/>
+          </a:p>
+          <a:p>
+            <a:r>
               <a:rPr lang="en-US" sz="2400" dirty="0" smtClean="0"/>
               <a:t>Link: </a:t>
             </a:r>
@@ -22339,68 +22880,50 @@
           </a:bodyPr>
           <a:lstStyle/>
           <a:p>
+            <a:pPr marL="0" indent="0">
+              <a:buNone/>
+            </a:pPr>
             <a:r>
               <a:rPr lang="en-US" sz="2400" dirty="0" smtClean="0"/>
-              <a:t>Support </a:t>
+              <a:t>Application divided into 2 parts:</a:t>
+            </a:r>
+          </a:p>
+          <a:p>
+            <a:r>
+              <a:rPr lang="en-US" sz="2400" b="1" dirty="0"/>
+              <a:t>Dependencies</a:t>
             </a:r>
             <a:r>
               <a:rPr lang="en-US" sz="2400" dirty="0"/>
-              <a:t>for Hot Module Replacement (HMR</a:t>
+              <a:t>: </a:t>
             </a:r>
             <a:r>
               <a:rPr lang="en-US" sz="2400" dirty="0" smtClean="0"/>
-              <a:t>)</a:t>
-            </a:r>
-          </a:p>
-          <a:p>
+              <a:t>plain </a:t>
+            </a:r>
+            <a:r>
+              <a:rPr lang="en-US" sz="2400" dirty="0"/>
+              <a:t>JavaScript that will not change much during development</a:t>
+            </a:r>
+            <a:endParaRPr lang="en-US" sz="2400" dirty="0" smtClean="0"/>
+          </a:p>
+          <a:p>
+            <a:r>
+              <a:rPr lang="en-US" sz="2400" b="1" dirty="0"/>
+              <a:t>Source code</a:t>
+            </a:r>
+            <a:r>
+              <a:rPr lang="en-US" sz="2400" dirty="0"/>
+              <a:t>: JSX, CSS, </a:t>
+            </a:r>
             <a:r>
               <a:rPr lang="en-US" sz="2400" dirty="0" err="1"/>
-              <a:t>Vite</a:t>
+              <a:t>Vue</a:t>
             </a:r>
             <a:r>
               <a:rPr lang="en-US" sz="2400" dirty="0"/>
-              <a:t> 4.0 now uses Rollup 3.0 at build </a:t>
-            </a:r>
-            <a:r>
-              <a:rPr lang="en-US" sz="2400" dirty="0" smtClean="0"/>
-              <a:t>time</a:t>
-            </a:r>
-          </a:p>
-          <a:p>
-            <a:r>
-              <a:rPr lang="en-US" sz="2400" dirty="0" err="1"/>
-              <a:t>Vite</a:t>
-            </a:r>
-            <a:r>
-              <a:rPr lang="en-US" sz="2400" dirty="0"/>
-              <a:t> </a:t>
-            </a:r>
-            <a:r>
-              <a:rPr lang="en-US" sz="2400" dirty="0" smtClean="0"/>
-              <a:t>4.0 adds </a:t>
-            </a:r>
-            <a:r>
-              <a:rPr lang="en-US" sz="2400" dirty="0"/>
-              <a:t>support for SWC, a Rust-based bundler that claims </a:t>
-            </a:r>
-            <a:r>
-              <a:rPr lang="en-US" sz="2400" dirty="0" smtClean="0"/>
-              <a:t>speed </a:t>
-            </a:r>
-            <a:r>
-              <a:rPr lang="en-US" sz="2400" dirty="0"/>
-              <a:t>improvement over </a:t>
-            </a:r>
-            <a:r>
-              <a:rPr lang="en-US" sz="2400" dirty="0" smtClean="0"/>
-              <a:t>Babel</a:t>
-            </a:r>
-            <a:endParaRPr lang="en-US" sz="2400" dirty="0"/>
-          </a:p>
-          <a:p>
-            <a:pPr marL="0" indent="0">
-              <a:buNone/>
-            </a:pPr>
+              <a:t>/React and other components that require conversion</a:t>
+            </a:r>
             <a:endParaRPr lang="en-US" sz="2400" dirty="0"/>
           </a:p>
           <a:p>
@@ -22497,78 +23020,65 @@
           </a:bodyPr>
           <a:lstStyle/>
           <a:p>
-            <a:r>
-              <a:rPr lang="en-US" sz="2000" dirty="0" smtClean="0"/>
-              <a:t>Bundles dependencies 10-100x faster than other JavaScript-based bundlers</a:t>
-            </a:r>
-          </a:p>
-          <a:p>
-            <a:endParaRPr lang="en-US" sz="2000" dirty="0" smtClean="0"/>
-          </a:p>
-        </p:txBody>
-      </p:sp>
-      <p:pic>
-        <p:nvPicPr>
-          <p:cNvPr id="5" name="Picture 4"/>
-          <p:cNvPicPr>
-            <a:picLocks noChangeAspect="1"/>
-          </p:cNvPicPr>
-          <p:nvPr/>
-        </p:nvPicPr>
-        <p:blipFill>
-          <a:blip r:embed="rId2"/>
-          <a:stretch>
-            <a:fillRect/>
-          </a:stretch>
-        </p:blipFill>
-        <p:spPr>
-          <a:xfrm>
-            <a:off x="1607440" y="2845709"/>
-            <a:ext cx="8754531" cy="2223906"/>
-          </a:xfrm>
-          <a:prstGeom prst="rect">
-            <a:avLst/>
-          </a:prstGeom>
-        </p:spPr>
-      </p:pic>
-      <p:sp>
-        <p:nvSpPr>
-          <p:cNvPr id="6" name="TextBox 5"/>
-          <p:cNvSpPr txBox="1"/>
-          <p:nvPr/>
-        </p:nvSpPr>
-        <p:spPr>
-          <a:xfrm>
-            <a:off x="5239512" y="5153794"/>
-            <a:ext cx="1870448" cy="307777"/>
-          </a:xfrm>
-          <a:prstGeom prst="rect">
-            <a:avLst/>
-          </a:prstGeom>
-          <a:noFill/>
-        </p:spPr>
-        <p:txBody>
-          <a:bodyPr wrap="none" rtlCol="0">
-            <a:spAutoFit/>
-          </a:bodyPr>
-          <a:lstStyle/>
-          <a:p>
-            <a:pPr algn="l"/>
-            <a:r>
-              <a:rPr lang="en-US" sz="1400" i="1" dirty="0" smtClean="0">
-                <a:solidFill>
-                  <a:schemeClr val="bg2"/>
-                </a:solidFill>
-              </a:rPr>
-              <a:t>Vishnu Sivan (dev.to)</a:t>
-            </a:r>
+            <a:pPr marL="0" indent="0">
+              <a:buNone/>
+            </a:pPr>
+            <a:r>
+              <a:rPr lang="en-US" sz="2400" b="1" dirty="0" smtClean="0"/>
+              <a:t>Dependencies:</a:t>
+            </a:r>
+          </a:p>
+          <a:p>
+            <a:r>
+              <a:rPr lang="en-US" sz="2400" dirty="0"/>
+              <a:t>Pre-bundling: code to be split into dependencies is converted from </a:t>
+            </a:r>
+            <a:r>
+              <a:rPr lang="en-US" sz="2400" dirty="0" err="1"/>
+              <a:t>CommonJS</a:t>
+            </a:r>
+            <a:r>
+              <a:rPr lang="en-US" sz="2400" dirty="0"/>
+              <a:t> or </a:t>
+            </a:r>
+            <a:r>
+              <a:rPr lang="en-US" sz="2400" dirty="0" smtClean="0"/>
+              <a:t>UMD to ESM</a:t>
+            </a:r>
+          </a:p>
+          <a:p>
+            <a:r>
+              <a:rPr lang="en-US" sz="2400" dirty="0"/>
+              <a:t>Pre-bundling </a:t>
+            </a:r>
+            <a:r>
+              <a:rPr lang="en-US" sz="2400" dirty="0" smtClean="0"/>
+              <a:t>uses </a:t>
+            </a:r>
+            <a:r>
+              <a:rPr lang="en-US" sz="2400" dirty="0" err="1" smtClean="0"/>
+              <a:t>esbuild</a:t>
+            </a:r>
+            <a:r>
+              <a:rPr lang="en-US" sz="2400" dirty="0" smtClean="0"/>
+              <a:t> (10 </a:t>
+            </a:r>
+            <a:r>
+              <a:rPr lang="en-US" sz="2400" dirty="0"/>
+              <a:t>to 100 times faster than JavaScript-based </a:t>
+            </a:r>
+            <a:r>
+              <a:rPr lang="en-US" sz="2400" dirty="0" smtClean="0"/>
+              <a:t>bundling)</a:t>
+            </a:r>
+            <a:endParaRPr lang="en-US" sz="2400" dirty="0" smtClean="0"/>
           </a:p>
         </p:txBody>
       </p:sp>
     </p:spTree>
     <p:extLst>
       <p:ext uri="{BB962C8B-B14F-4D97-AF65-F5344CB8AC3E}">
-        <p14:creationId xmlns:p14="http://schemas.microsoft.com/office/powerpoint/2010/main" val="3892531254"/>
+        <p14:creationId xmlns:p14="http://schemas.microsoft.com/office/powerpoint/2010/main" val="1053884477"/>
       </p:ext>
     </p:extLst>
   </p:cSld>
